--- a/OS-Neutron-Server.pptx
+++ b/OS-Neutron-Server.pptx
@@ -198,7 +198,7 @@
           <a:p>
             <a:fld id="{0DC6F5B2-CF52-4426-B75F-6A08A5F05239}" type="datetimeFigureOut">
               <a:rPr lang="en-US" smtClean="0"/>
-              <a:t>8/5/2015</a:t>
+              <a:t>8/7/2015</a:t>
             </a:fld>
             <a:endParaRPr lang="en-US"/>
           </a:p>
@@ -589,11 +589,7 @@
           <a:p>
             <a:r>
               <a:rPr lang="en-US" dirty="0" smtClean="0"/>
-              <a:t>Appropriate </a:t>
-            </a:r>
-            <a:r>
-              <a:rPr lang="en-US" dirty="0" smtClean="0"/>
-              <a:t>plugin gets loaded and launched!</a:t>
+              <a:t>Appropriate plugin gets loaded and launched!</a:t>
             </a:r>
             <a:endParaRPr lang="en-US" dirty="0"/>
           </a:p>
@@ -817,7 +813,7 @@
             <a:fld id="{1D8BD707-D9CF-40AE-B4C6-C98DA3205C09}" type="datetimeFigureOut">
               <a:rPr lang="en-US" smtClean="0"/>
               <a:pPr/>
-              <a:t>8/5/2015</a:t>
+              <a:t>8/7/2015</a:t>
             </a:fld>
             <a:endParaRPr lang="en-US"/>
           </a:p>
@@ -984,7 +980,7 @@
             <a:fld id="{1D8BD707-D9CF-40AE-B4C6-C98DA3205C09}" type="datetimeFigureOut">
               <a:rPr lang="en-US" smtClean="0"/>
               <a:pPr/>
-              <a:t>8/5/2015</a:t>
+              <a:t>8/7/2015</a:t>
             </a:fld>
             <a:endParaRPr lang="en-US"/>
           </a:p>
@@ -1161,7 +1157,7 @@
             <a:fld id="{1D8BD707-D9CF-40AE-B4C6-C98DA3205C09}" type="datetimeFigureOut">
               <a:rPr lang="en-US" smtClean="0"/>
               <a:pPr/>
-              <a:t>8/5/2015</a:t>
+              <a:t>8/7/2015</a:t>
             </a:fld>
             <a:endParaRPr lang="en-US"/>
           </a:p>
@@ -1328,7 +1324,7 @@
             <a:fld id="{1D8BD707-D9CF-40AE-B4C6-C98DA3205C09}" type="datetimeFigureOut">
               <a:rPr lang="en-US" smtClean="0"/>
               <a:pPr/>
-              <a:t>8/5/2015</a:t>
+              <a:t>8/7/2015</a:t>
             </a:fld>
             <a:endParaRPr lang="en-US"/>
           </a:p>
@@ -1571,7 +1567,7 @@
             <a:fld id="{1D8BD707-D9CF-40AE-B4C6-C98DA3205C09}" type="datetimeFigureOut">
               <a:rPr lang="en-US" smtClean="0"/>
               <a:pPr/>
-              <a:t>8/5/2015</a:t>
+              <a:t>8/7/2015</a:t>
             </a:fld>
             <a:endParaRPr lang="en-US"/>
           </a:p>
@@ -1856,7 +1852,7 @@
             <a:fld id="{1D8BD707-D9CF-40AE-B4C6-C98DA3205C09}" type="datetimeFigureOut">
               <a:rPr lang="en-US" smtClean="0"/>
               <a:pPr/>
-              <a:t>8/5/2015</a:t>
+              <a:t>8/7/2015</a:t>
             </a:fld>
             <a:endParaRPr lang="en-US"/>
           </a:p>
@@ -2275,7 +2271,7 @@
             <a:fld id="{1D8BD707-D9CF-40AE-B4C6-C98DA3205C09}" type="datetimeFigureOut">
               <a:rPr lang="en-US" smtClean="0"/>
               <a:pPr/>
-              <a:t>8/5/2015</a:t>
+              <a:t>8/7/2015</a:t>
             </a:fld>
             <a:endParaRPr lang="en-US"/>
           </a:p>
@@ -2390,7 +2386,7 @@
             <a:fld id="{1D8BD707-D9CF-40AE-B4C6-C98DA3205C09}" type="datetimeFigureOut">
               <a:rPr lang="en-US" smtClean="0"/>
               <a:pPr/>
-              <a:t>8/5/2015</a:t>
+              <a:t>8/7/2015</a:t>
             </a:fld>
             <a:endParaRPr lang="en-US"/>
           </a:p>
@@ -2482,7 +2478,7 @@
             <a:fld id="{1D8BD707-D9CF-40AE-B4C6-C98DA3205C09}" type="datetimeFigureOut">
               <a:rPr lang="en-US" smtClean="0"/>
               <a:pPr/>
-              <a:t>8/5/2015</a:t>
+              <a:t>8/7/2015</a:t>
             </a:fld>
             <a:endParaRPr lang="en-US"/>
           </a:p>
@@ -2756,7 +2752,7 @@
             <a:fld id="{1D8BD707-D9CF-40AE-B4C6-C98DA3205C09}" type="datetimeFigureOut">
               <a:rPr lang="en-US" smtClean="0"/>
               <a:pPr/>
-              <a:t>8/5/2015</a:t>
+              <a:t>8/7/2015</a:t>
             </a:fld>
             <a:endParaRPr lang="en-US"/>
           </a:p>
@@ -3006,7 +3002,7 @@
             <a:fld id="{1D8BD707-D9CF-40AE-B4C6-C98DA3205C09}" type="datetimeFigureOut">
               <a:rPr lang="en-US" smtClean="0"/>
               <a:pPr/>
-              <a:t>8/5/2015</a:t>
+              <a:t>8/7/2015</a:t>
             </a:fld>
             <a:endParaRPr lang="en-US"/>
           </a:p>
@@ -3216,7 +3212,7 @@
             <a:fld id="{1D8BD707-D9CF-40AE-B4C6-C98DA3205C09}" type="datetimeFigureOut">
               <a:rPr lang="en-US" smtClean="0"/>
               <a:pPr/>
-              <a:t>8/5/2015</a:t>
+              <a:t>8/7/2015</a:t>
             </a:fld>
             <a:endParaRPr lang="en-US"/>
           </a:p>
@@ -3604,11 +3600,15 @@
           <a:p>
             <a:r>
               <a:rPr lang="en-US" dirty="0" smtClean="0"/>
-              <a:t>Neutron </a:t>
+              <a:t>Openstack Neutron: </a:t>
+            </a:r>
+            <a:r>
+              <a:rPr lang="en-US" dirty="0"/>
+              <a:t>S</a:t>
             </a:r>
             <a:r>
               <a:rPr lang="en-US" dirty="0" smtClean="0"/>
-              <a:t>server</a:t>
+              <a:t>erver</a:t>
             </a:r>
             <a:endParaRPr lang="en-US" dirty="0"/>
           </a:p>
@@ -3629,6 +3629,14 @@
           <a:bodyPr/>
           <a:lstStyle/>
           <a:p>
+            <a:r>
+              <a:rPr lang="en-US" dirty="0" smtClean="0"/>
+              <a:t>Sridhar K. N. </a:t>
+            </a:r>
+            <a:r>
+              <a:rPr lang="en-US" smtClean="0"/>
+              <a:t>Rao</a:t>
+            </a:r>
             <a:endParaRPr lang="en-US"/>
           </a:p>
         </p:txBody>
@@ -4715,7 +4723,6 @@
               <a:rPr lang="en-US" dirty="0"/>
               <a:t>Next slide</a:t>
             </a:r>
-            <a:endParaRPr lang="en-US" dirty="0"/>
           </a:p>
         </p:txBody>
       </p:sp>

--- a/OS-Neutron-Server.pptx
+++ b/OS-Neutron-Server.pptx
@@ -2,7 +2,7 @@
 <file path=ppt/presentation.xml><?xml version="1.0" encoding="utf-8"?>
 <p:presentation xmlns:a="http://schemas.openxmlformats.org/drawingml/2006/main" xmlns:r="http://schemas.openxmlformats.org/officeDocument/2006/relationships" xmlns:p="http://schemas.openxmlformats.org/presentationml/2006/main" saveSubsetFonts="1">
   <p:sldMasterIdLst>
-    <p:sldMasterId id="2147483648" r:id="rId1"/>
+    <p:sldMasterId id="2147483660" r:id="rId1"/>
   </p:sldMasterIdLst>
   <p:notesMasterIdLst>
     <p:notesMasterId r:id="rId9"/>
@@ -113,6 +113,22 @@
       </a:defRPr>
     </a:lvl9pPr>
   </p:defaultTextStyle>
+  <p:extLst>
+    <p:ext uri="{EFAFB233-063F-42B5-8137-9DF3F51BA10A}">
+      <p15:sldGuideLst xmlns:p15="http://schemas.microsoft.com/office/powerpoint/2012/main">
+        <p15:guide id="1" orient="horz" pos="2160">
+          <p15:clr>
+            <a:srgbClr val="A4A3A4"/>
+          </p15:clr>
+        </p15:guide>
+        <p15:guide id="2" pos="2880">
+          <p15:clr>
+            <a:srgbClr val="A4A3A4"/>
+          </p15:clr>
+        </p15:guide>
+      </p15:sldGuideLst>
+    </p:ext>
+  </p:extLst>
 </p:presentation>
 </file>
 
@@ -198,7 +214,7 @@
           <a:p>
             <a:fld id="{0DC6F5B2-CF52-4426-B75F-6A08A5F05239}" type="datetimeFigureOut">
               <a:rPr lang="en-US" smtClean="0"/>
-              <a:t>8/7/2015</a:t>
+              <a:t>8/7/15</a:t>
             </a:fld>
             <a:endParaRPr lang="en-US"/>
           </a:p>
@@ -660,19 +676,25 @@
         </p:nvSpPr>
         <p:spPr>
           <a:xfrm>
-            <a:off x="685800" y="2130425"/>
+            <a:off x="685800" y="2130427"/>
             <a:ext cx="7772400" cy="1470025"/>
           </a:xfrm>
         </p:spPr>
         <p:txBody>
-          <a:bodyPr/>
-          <a:lstStyle/>
+          <a:bodyPr>
+            <a:normAutofit/>
+          </a:bodyPr>
+          <a:lstStyle>
+            <a:lvl1pPr algn="ctr">
+              <a:defRPr sz="3000"/>
+            </a:lvl1pPr>
+          </a:lstStyle>
           <a:p>
             <a:r>
               <a:rPr lang="en-US" smtClean="0"/>
               <a:t>Click to edit Master title style</a:t>
             </a:r>
-            <a:endParaRPr lang="en-US"/>
+            <a:endParaRPr lang="en-IN" dirty="0"/>
           </a:p>
         </p:txBody>
       </p:sp>
@@ -705,7 +727,7 @@
                 </a:solidFill>
               </a:defRPr>
             </a:lvl1pPr>
-            <a:lvl2pPr marL="457200" indent="0" algn="ctr">
+            <a:lvl2pPr marL="380985" indent="0" algn="ctr">
               <a:buNone/>
               <a:defRPr>
                 <a:solidFill>
@@ -715,7 +737,7 @@
                 </a:solidFill>
               </a:defRPr>
             </a:lvl2pPr>
-            <a:lvl3pPr marL="914400" indent="0" algn="ctr">
+            <a:lvl3pPr marL="761970" indent="0" algn="ctr">
               <a:buNone/>
               <a:defRPr>
                 <a:solidFill>
@@ -725,7 +747,7 @@
                 </a:solidFill>
               </a:defRPr>
             </a:lvl3pPr>
-            <a:lvl4pPr marL="1371600" indent="0" algn="ctr">
+            <a:lvl4pPr marL="1142954" indent="0" algn="ctr">
               <a:buNone/>
               <a:defRPr>
                 <a:solidFill>
@@ -735,7 +757,7 @@
                 </a:solidFill>
               </a:defRPr>
             </a:lvl4pPr>
-            <a:lvl5pPr marL="1828800" indent="0" algn="ctr">
+            <a:lvl5pPr marL="1523939" indent="0" algn="ctr">
               <a:buNone/>
               <a:defRPr>
                 <a:solidFill>
@@ -745,7 +767,7 @@
                 </a:solidFill>
               </a:defRPr>
             </a:lvl5pPr>
-            <a:lvl6pPr marL="2286000" indent="0" algn="ctr">
+            <a:lvl6pPr marL="1904924" indent="0" algn="ctr">
               <a:buNone/>
               <a:defRPr>
                 <a:solidFill>
@@ -755,7 +777,7 @@
                 </a:solidFill>
               </a:defRPr>
             </a:lvl6pPr>
-            <a:lvl7pPr marL="2743200" indent="0" algn="ctr">
+            <a:lvl7pPr marL="2285909" indent="0" algn="ctr">
               <a:buNone/>
               <a:defRPr>
                 <a:solidFill>
@@ -765,7 +787,7 @@
                 </a:solidFill>
               </a:defRPr>
             </a:lvl7pPr>
-            <a:lvl8pPr marL="3200400" indent="0" algn="ctr">
+            <a:lvl8pPr marL="2666893" indent="0" algn="ctr">
               <a:buNone/>
               <a:defRPr>
                 <a:solidFill>
@@ -775,7 +797,7 @@
                 </a:solidFill>
               </a:defRPr>
             </a:lvl8pPr>
-            <a:lvl9pPr marL="3657600" indent="0" algn="ctr">
+            <a:lvl9pPr marL="3047878" indent="0" algn="ctr">
               <a:buNone/>
               <a:defRPr>
                 <a:solidFill>
@@ -791,7 +813,7 @@
               <a:rPr lang="en-US" smtClean="0"/>
               <a:t>Click to edit Master subtitle style</a:t>
             </a:r>
-            <a:endParaRPr lang="en-US"/>
+            <a:endParaRPr lang="en-IN"/>
           </a:p>
         </p:txBody>
       </p:sp>
@@ -813,7 +835,7 @@
             <a:fld id="{1D8BD707-D9CF-40AE-B4C6-C98DA3205C09}" type="datetimeFigureOut">
               <a:rPr lang="en-US" smtClean="0"/>
               <a:pPr/>
-              <a:t>8/7/2015</a:t>
+              <a:t>8/7/15</a:t>
             </a:fld>
             <a:endParaRPr lang="en-US"/>
           </a:p>
@@ -862,7 +884,78 @@
           </a:p>
         </p:txBody>
       </p:sp>
+      <p:sp>
+        <p:nvSpPr>
+          <p:cNvPr id="7" name="Rectangle 6"/>
+          <p:cNvSpPr/>
+          <p:nvPr/>
+        </p:nvSpPr>
+        <p:spPr>
+          <a:xfrm>
+            <a:off x="9036498" y="0"/>
+            <a:ext cx="107503" cy="6858000"/>
+          </a:xfrm>
+          <a:prstGeom prst="rect">
+            <a:avLst/>
+          </a:prstGeom>
+          <a:gradFill>
+            <a:gsLst>
+              <a:gs pos="0">
+                <a:schemeClr val="accent6">
+                  <a:lumMod val="75000"/>
+                </a:schemeClr>
+              </a:gs>
+              <a:gs pos="50000">
+                <a:schemeClr val="accent6">
+                  <a:lumMod val="60000"/>
+                  <a:lumOff val="40000"/>
+                </a:schemeClr>
+              </a:gs>
+              <a:gs pos="100000">
+                <a:schemeClr val="accent6">
+                  <a:lumMod val="40000"/>
+                  <a:lumOff val="60000"/>
+                  <a:alpha val="69000"/>
+                </a:schemeClr>
+              </a:gs>
+            </a:gsLst>
+            <a:lin ang="5400000" scaled="0"/>
+          </a:gradFill>
+          <a:ln>
+            <a:noFill/>
+          </a:ln>
+        </p:spPr>
+        <p:style>
+          <a:lnRef idx="2">
+            <a:schemeClr val="accent1">
+              <a:shade val="50000"/>
+            </a:schemeClr>
+          </a:lnRef>
+          <a:fillRef idx="1">
+            <a:schemeClr val="accent1"/>
+          </a:fillRef>
+          <a:effectRef idx="0">
+            <a:schemeClr val="accent1"/>
+          </a:effectRef>
+          <a:fontRef idx="minor">
+            <a:schemeClr val="lt1"/>
+          </a:fontRef>
+        </p:style>
+        <p:txBody>
+          <a:bodyPr rtlCol="0" anchor="ctr"/>
+          <a:lstStyle/>
+          <a:p>
+            <a:pPr algn="ctr"/>
+            <a:endParaRPr lang="en-IN" sz="1167"/>
+          </a:p>
+        </p:txBody>
+      </p:sp>
     </p:spTree>
+    <p:extLst>
+      <p:ext uri="{BB962C8B-B14F-4D97-AF65-F5344CB8AC3E}">
+        <p14:creationId xmlns:p14="http://schemas.microsoft.com/office/powerpoint/2010/main" val="1936060910"/>
+      </p:ext>
+    </p:extLst>
   </p:cSld>
   <p:clrMapOvr>
     <a:masterClrMapping/>
@@ -906,7 +999,7 @@
               <a:rPr lang="en-US" smtClean="0"/>
               <a:t>Click to edit Master title style</a:t>
             </a:r>
-            <a:endParaRPr lang="en-US"/>
+            <a:endParaRPr lang="en-IN"/>
           </a:p>
         </p:txBody>
       </p:sp>
@@ -958,7 +1051,7 @@
               <a:rPr lang="en-US" smtClean="0"/>
               <a:t>Fifth level</a:t>
             </a:r>
-            <a:endParaRPr lang="en-US"/>
+            <a:endParaRPr lang="en-IN"/>
           </a:p>
         </p:txBody>
       </p:sp>
@@ -980,7 +1073,7 @@
             <a:fld id="{1D8BD707-D9CF-40AE-B4C6-C98DA3205C09}" type="datetimeFigureOut">
               <a:rPr lang="en-US" smtClean="0"/>
               <a:pPr/>
-              <a:t>8/7/2015</a:t>
+              <a:t>8/7/15</a:t>
             </a:fld>
             <a:endParaRPr lang="en-US"/>
           </a:p>
@@ -1030,6 +1123,11 @@
         </p:txBody>
       </p:sp>
     </p:spTree>
+    <p:extLst>
+      <p:ext uri="{BB962C8B-B14F-4D97-AF65-F5344CB8AC3E}">
+        <p14:creationId xmlns:p14="http://schemas.microsoft.com/office/powerpoint/2010/main" val="1238498976"/>
+      </p:ext>
+    </p:extLst>
   </p:cSld>
   <p:clrMapOvr>
     <a:masterClrMapping/>
@@ -1066,7 +1164,7 @@
         </p:nvSpPr>
         <p:spPr>
           <a:xfrm>
-            <a:off x="6629400" y="274638"/>
+            <a:off x="6629400" y="274640"/>
             <a:ext cx="2057400" cy="5851525"/>
           </a:xfrm>
         </p:spPr>
@@ -1078,7 +1176,7 @@
               <a:rPr lang="en-US" smtClean="0"/>
               <a:t>Click to edit Master title style</a:t>
             </a:r>
-            <a:endParaRPr lang="en-US"/>
+            <a:endParaRPr lang="en-IN"/>
           </a:p>
         </p:txBody>
       </p:sp>
@@ -1094,7 +1192,7 @@
         </p:nvSpPr>
         <p:spPr>
           <a:xfrm>
-            <a:off x="457200" y="274638"/>
+            <a:off x="457200" y="274640"/>
             <a:ext cx="6019800" cy="5851525"/>
           </a:xfrm>
         </p:spPr>
@@ -1135,7 +1233,7 @@
               <a:rPr lang="en-US" smtClean="0"/>
               <a:t>Fifth level</a:t>
             </a:r>
-            <a:endParaRPr lang="en-US"/>
+            <a:endParaRPr lang="en-IN"/>
           </a:p>
         </p:txBody>
       </p:sp>
@@ -1157,7 +1255,7 @@
             <a:fld id="{1D8BD707-D9CF-40AE-B4C6-C98DA3205C09}" type="datetimeFigureOut">
               <a:rPr lang="en-US" smtClean="0"/>
               <a:pPr/>
-              <a:t>8/7/2015</a:t>
+              <a:t>8/7/15</a:t>
             </a:fld>
             <a:endParaRPr lang="en-US"/>
           </a:p>
@@ -1207,6 +1305,398 @@
         </p:txBody>
       </p:sp>
     </p:spTree>
+    <p:extLst>
+      <p:ext uri="{BB962C8B-B14F-4D97-AF65-F5344CB8AC3E}">
+        <p14:creationId xmlns:p14="http://schemas.microsoft.com/office/powerpoint/2010/main" val="646755199"/>
+      </p:ext>
+    </p:extLst>
+  </p:cSld>
+  <p:clrMapOvr>
+    <a:masterClrMapping/>
+  </p:clrMapOvr>
+</p:sldLayout>
+</file>
+
+<file path=ppt/slideLayouts/slideLayout12.xml><?xml version="1.0" encoding="utf-8"?>
+<p:sldLayout xmlns:a="http://schemas.openxmlformats.org/drawingml/2006/main" xmlns:r="http://schemas.openxmlformats.org/officeDocument/2006/relationships" xmlns:p="http://schemas.openxmlformats.org/presentationml/2006/main" type="tx">
+  <p:cSld name="Title and Body">
+    <p:spTree>
+      <p:nvGrpSpPr>
+        <p:cNvPr id="1" name="Shape 12"/>
+        <p:cNvGrpSpPr/>
+        <p:nvPr/>
+      </p:nvGrpSpPr>
+      <p:grpSpPr>
+        <a:xfrm>
+          <a:off x="0" y="0"/>
+          <a:ext cx="0" cy="0"/>
+          <a:chOff x="0" y="0"/>
+          <a:chExt cx="0" cy="0"/>
+        </a:xfrm>
+      </p:grpSpPr>
+      <p:sp>
+        <p:nvSpPr>
+          <p:cNvPr id="13" name="Shape 13"/>
+          <p:cNvSpPr txBox="1">
+            <a:spLocks noGrp="1"/>
+          </p:cNvSpPr>
+          <p:nvPr>
+            <p:ph type="title"/>
+          </p:nvPr>
+        </p:nvSpPr>
+        <p:spPr>
+          <a:xfrm>
+            <a:off x="72701" y="274636"/>
+            <a:ext cx="8951100" cy="668159"/>
+          </a:xfrm>
+          <a:prstGeom prst="rect">
+            <a:avLst/>
+          </a:prstGeom>
+        </p:spPr>
+        <p:txBody>
+          <a:bodyPr lIns="91425" tIns="91425" rIns="91425" bIns="91425" anchor="b" anchorCtr="0"/>
+          <a:lstStyle>
+            <a:lvl1pPr>
+              <a:spcBef>
+                <a:spcPts val="0"/>
+              </a:spcBef>
+              <a:buSzPct val="100000"/>
+              <a:defRPr sz="2400"/>
+            </a:lvl1pPr>
+            <a:lvl2pPr>
+              <a:spcBef>
+                <a:spcPts val="0"/>
+              </a:spcBef>
+              <a:defRPr/>
+            </a:lvl2pPr>
+            <a:lvl3pPr>
+              <a:spcBef>
+                <a:spcPts val="0"/>
+              </a:spcBef>
+              <a:defRPr/>
+            </a:lvl3pPr>
+            <a:lvl4pPr>
+              <a:spcBef>
+                <a:spcPts val="0"/>
+              </a:spcBef>
+              <a:defRPr/>
+            </a:lvl4pPr>
+            <a:lvl5pPr>
+              <a:spcBef>
+                <a:spcPts val="0"/>
+              </a:spcBef>
+              <a:defRPr/>
+            </a:lvl5pPr>
+            <a:lvl6pPr>
+              <a:spcBef>
+                <a:spcPts val="0"/>
+              </a:spcBef>
+              <a:defRPr/>
+            </a:lvl6pPr>
+            <a:lvl7pPr>
+              <a:spcBef>
+                <a:spcPts val="0"/>
+              </a:spcBef>
+              <a:defRPr/>
+            </a:lvl7pPr>
+            <a:lvl8pPr>
+              <a:spcBef>
+                <a:spcPts val="0"/>
+              </a:spcBef>
+              <a:defRPr/>
+            </a:lvl8pPr>
+            <a:lvl9pPr>
+              <a:spcBef>
+                <a:spcPts val="0"/>
+              </a:spcBef>
+              <a:defRPr/>
+            </a:lvl9pPr>
+          </a:lstStyle>
+          <a:p>
+            <a:r>
+              <a:rPr lang="en-US" smtClean="0"/>
+              <a:t>Click to edit Master title style</a:t>
+            </a:r>
+            <a:endParaRPr/>
+          </a:p>
+        </p:txBody>
+      </p:sp>
+      <p:sp>
+        <p:nvSpPr>
+          <p:cNvPr id="14" name="Shape 14"/>
+          <p:cNvSpPr txBox="1">
+            <a:spLocks noGrp="1"/>
+          </p:cNvSpPr>
+          <p:nvPr>
+            <p:ph type="body" idx="1"/>
+          </p:nvPr>
+        </p:nvSpPr>
+        <p:spPr>
+          <a:xfrm>
+            <a:off x="72701" y="942632"/>
+            <a:ext cx="8951100" cy="5625360"/>
+          </a:xfrm>
+          <a:prstGeom prst="rect">
+            <a:avLst/>
+          </a:prstGeom>
+        </p:spPr>
+        <p:txBody>
+          <a:bodyPr lIns="91425" tIns="91425" rIns="91425" bIns="91425" anchor="t" anchorCtr="0"/>
+          <a:lstStyle>
+            <a:lvl1pPr>
+              <a:spcBef>
+                <a:spcPts val="0"/>
+              </a:spcBef>
+              <a:buSzPct val="100000"/>
+              <a:defRPr sz="2000"/>
+            </a:lvl1pPr>
+            <a:lvl2pPr>
+              <a:spcBef>
+                <a:spcPts val="0"/>
+              </a:spcBef>
+              <a:buSzPct val="100000"/>
+              <a:defRPr sz="1800"/>
+            </a:lvl2pPr>
+            <a:lvl3pPr>
+              <a:spcBef>
+                <a:spcPts val="0"/>
+              </a:spcBef>
+              <a:buSzPct val="100000"/>
+              <a:defRPr sz="1600"/>
+            </a:lvl3pPr>
+            <a:lvl4pPr>
+              <a:spcBef>
+                <a:spcPts val="0"/>
+              </a:spcBef>
+              <a:buSzPct val="100000"/>
+              <a:defRPr sz="1400"/>
+            </a:lvl4pPr>
+            <a:lvl5pPr>
+              <a:spcBef>
+                <a:spcPts val="0"/>
+              </a:spcBef>
+              <a:buSzPct val="100000"/>
+              <a:defRPr sz="1200"/>
+            </a:lvl5pPr>
+            <a:lvl6pPr>
+              <a:spcBef>
+                <a:spcPts val="0"/>
+              </a:spcBef>
+              <a:buSzPct val="100000"/>
+              <a:defRPr sz="1000"/>
+            </a:lvl6pPr>
+            <a:lvl7pPr>
+              <a:spcBef>
+                <a:spcPts val="0"/>
+              </a:spcBef>
+              <a:buSzPct val="100000"/>
+              <a:defRPr sz="1000"/>
+            </a:lvl7pPr>
+            <a:lvl8pPr>
+              <a:spcBef>
+                <a:spcPts val="0"/>
+              </a:spcBef>
+              <a:buSzPct val="100000"/>
+              <a:defRPr sz="1000"/>
+            </a:lvl8pPr>
+            <a:lvl9pPr>
+              <a:spcBef>
+                <a:spcPts val="0"/>
+              </a:spcBef>
+              <a:buSzPct val="100000"/>
+              <a:defRPr sz="800"/>
+            </a:lvl9pPr>
+          </a:lstStyle>
+          <a:p>
+            <a:pPr lvl="0"/>
+            <a:r>
+              <a:rPr lang="en-US" smtClean="0"/>
+              <a:t>Click to edit Master text styles</a:t>
+            </a:r>
+          </a:p>
+        </p:txBody>
+      </p:sp>
+      <p:sp>
+        <p:nvSpPr>
+          <p:cNvPr id="15" name="Shape 15"/>
+          <p:cNvSpPr txBox="1">
+            <a:spLocks noGrp="1"/>
+          </p:cNvSpPr>
+          <p:nvPr>
+            <p:ph type="sldNum" idx="12"/>
+          </p:nvPr>
+        </p:nvSpPr>
+        <p:spPr>
+          <a:xfrm>
+            <a:off x="8556793" y="6333137"/>
+            <a:ext cx="548699" cy="524519"/>
+          </a:xfrm>
+          <a:prstGeom prst="rect">
+            <a:avLst/>
+          </a:prstGeom>
+        </p:spPr>
+        <p:txBody>
+          <a:bodyPr lIns="91425" tIns="91425" rIns="91425" bIns="91425" anchor="ctr" anchorCtr="0">
+            <a:noAutofit/>
+          </a:bodyPr>
+          <a:lstStyle>
+            <a:lvl1pPr>
+              <a:spcBef>
+                <a:spcPts val="0"/>
+              </a:spcBef>
+              <a:buNone/>
+              <a:defRPr/>
+            </a:lvl1pPr>
+          </a:lstStyle>
+          <a:p>
+            <a:fld id="{B6F15528-21DE-4FAA-801E-634DDDAF4B2B}" type="slidenum">
+              <a:rPr lang="en-US" smtClean="0"/>
+              <a:pPr/>
+              <a:t>‹#›</a:t>
+            </a:fld>
+            <a:endParaRPr lang="en-US"/>
+          </a:p>
+        </p:txBody>
+      </p:sp>
+      <p:sp>
+        <p:nvSpPr>
+          <p:cNvPr id="7" name="Rectangle 6"/>
+          <p:cNvSpPr/>
+          <p:nvPr/>
+        </p:nvSpPr>
+        <p:spPr>
+          <a:xfrm>
+            <a:off x="9036498" y="0"/>
+            <a:ext cx="107503" cy="6858000"/>
+          </a:xfrm>
+          <a:prstGeom prst="rect">
+            <a:avLst/>
+          </a:prstGeom>
+          <a:gradFill>
+            <a:gsLst>
+              <a:gs pos="0">
+                <a:schemeClr val="accent6">
+                  <a:lumMod val="75000"/>
+                </a:schemeClr>
+              </a:gs>
+              <a:gs pos="50000">
+                <a:schemeClr val="accent6">
+                  <a:lumMod val="60000"/>
+                  <a:lumOff val="40000"/>
+                </a:schemeClr>
+              </a:gs>
+              <a:gs pos="100000">
+                <a:schemeClr val="accent6">
+                  <a:lumMod val="40000"/>
+                  <a:lumOff val="60000"/>
+                  <a:alpha val="69000"/>
+                </a:schemeClr>
+              </a:gs>
+            </a:gsLst>
+            <a:lin ang="5400000" scaled="0"/>
+          </a:gradFill>
+          <a:ln>
+            <a:noFill/>
+          </a:ln>
+        </p:spPr>
+        <p:style>
+          <a:lnRef idx="2">
+            <a:schemeClr val="accent1">
+              <a:shade val="50000"/>
+            </a:schemeClr>
+          </a:lnRef>
+          <a:fillRef idx="1">
+            <a:schemeClr val="accent1"/>
+          </a:fillRef>
+          <a:effectRef idx="0">
+            <a:schemeClr val="accent1"/>
+          </a:effectRef>
+          <a:fontRef idx="minor">
+            <a:schemeClr val="lt1"/>
+          </a:fontRef>
+        </p:style>
+        <p:txBody>
+          <a:bodyPr rtlCol="0" anchor="ctr"/>
+          <a:lstStyle/>
+          <a:p>
+            <a:pPr algn="ctr"/>
+            <a:endParaRPr lang="en-IN" sz="1167"/>
+          </a:p>
+        </p:txBody>
+      </p:sp>
+      <p:sp>
+        <p:nvSpPr>
+          <p:cNvPr id="8" name="Rectangle 7"/>
+          <p:cNvSpPr/>
+          <p:nvPr/>
+        </p:nvSpPr>
+        <p:spPr>
+          <a:xfrm rot="10800000" flipV="1">
+            <a:off x="107507" y="881187"/>
+            <a:ext cx="8928991" cy="61780"/>
+          </a:xfrm>
+          <a:prstGeom prst="rect">
+            <a:avLst/>
+          </a:prstGeom>
+          <a:gradFill flip="none" rotWithShape="1">
+            <a:gsLst>
+              <a:gs pos="0">
+                <a:schemeClr val="accent6">
+                  <a:lumMod val="75000"/>
+                </a:schemeClr>
+              </a:gs>
+              <a:gs pos="50000">
+                <a:schemeClr val="accent6">
+                  <a:lumMod val="60000"/>
+                  <a:lumOff val="40000"/>
+                </a:schemeClr>
+              </a:gs>
+              <a:gs pos="100000">
+                <a:schemeClr val="accent6">
+                  <a:lumMod val="40000"/>
+                  <a:lumOff val="60000"/>
+                  <a:alpha val="0"/>
+                </a:schemeClr>
+              </a:gs>
+            </a:gsLst>
+            <a:lin ang="0" scaled="1"/>
+            <a:tileRect/>
+          </a:gradFill>
+          <a:ln>
+            <a:noFill/>
+          </a:ln>
+        </p:spPr>
+        <p:style>
+          <a:lnRef idx="2">
+            <a:schemeClr val="accent1">
+              <a:shade val="50000"/>
+            </a:schemeClr>
+          </a:lnRef>
+          <a:fillRef idx="1">
+            <a:schemeClr val="accent1"/>
+          </a:fillRef>
+          <a:effectRef idx="0">
+            <a:schemeClr val="accent1"/>
+          </a:effectRef>
+          <a:fontRef idx="minor">
+            <a:schemeClr val="lt1"/>
+          </a:fontRef>
+        </p:style>
+        <p:txBody>
+          <a:bodyPr rtlCol="0" anchor="ctr"/>
+          <a:lstStyle/>
+          <a:p>
+            <a:pPr algn="ctr"/>
+            <a:endParaRPr lang="en-IN" sz="1800"/>
+          </a:p>
+        </p:txBody>
+      </p:sp>
+    </p:spTree>
+    <p:extLst>
+      <p:ext uri="{BB962C8B-B14F-4D97-AF65-F5344CB8AC3E}">
+        <p14:creationId xmlns:p14="http://schemas.microsoft.com/office/powerpoint/2010/main" val="270754552"/>
+      </p:ext>
+    </p:extLst>
   </p:cSld>
   <p:clrMapOvr>
     <a:masterClrMapping/>
@@ -1250,7 +1740,7 @@
               <a:rPr lang="en-US" smtClean="0"/>
               <a:t>Click to edit Master title style</a:t>
             </a:r>
-            <a:endParaRPr lang="en-US"/>
+            <a:endParaRPr lang="en-IN"/>
           </a:p>
         </p:txBody>
       </p:sp>
@@ -1264,7 +1754,12 @@
             <p:ph idx="1"/>
           </p:nvPr>
         </p:nvSpPr>
-        <p:spPr/>
+        <p:spPr>
+          <a:xfrm>
+            <a:off x="107505" y="764704"/>
+            <a:ext cx="8928992" cy="5544616"/>
+          </a:xfrm>
+        </p:spPr>
         <p:txBody>
           <a:bodyPr/>
           <a:lstStyle/>
@@ -1302,7 +1797,7 @@
               <a:rPr lang="en-US" smtClean="0"/>
               <a:t>Fifth level</a:t>
             </a:r>
-            <a:endParaRPr lang="en-US"/>
+            <a:endParaRPr lang="en-IN" dirty="0"/>
           </a:p>
         </p:txBody>
       </p:sp>
@@ -1316,7 +1811,12 @@
             <p:ph type="dt" sz="half" idx="10"/>
           </p:nvPr>
         </p:nvSpPr>
-        <p:spPr/>
+        <p:spPr>
+          <a:xfrm>
+            <a:off x="87200" y="6469087"/>
+            <a:ext cx="2133600" cy="365125"/>
+          </a:xfrm>
+        </p:spPr>
         <p:txBody>
           <a:bodyPr/>
           <a:lstStyle/>
@@ -1324,7 +1824,7 @@
             <a:fld id="{1D8BD707-D9CF-40AE-B4C6-C98DA3205C09}" type="datetimeFigureOut">
               <a:rPr lang="en-US" smtClean="0"/>
               <a:pPr/>
-              <a:t>8/7/2015</a:t>
+              <a:t>8/7/15</a:t>
             </a:fld>
             <a:endParaRPr lang="en-US"/>
           </a:p>
@@ -1340,7 +1840,12 @@
             <p:ph type="ftr" sz="quarter" idx="11"/>
           </p:nvPr>
         </p:nvSpPr>
-        <p:spPr/>
+        <p:spPr>
+          <a:xfrm>
+            <a:off x="3170450" y="6469087"/>
+            <a:ext cx="2895600" cy="365125"/>
+          </a:xfrm>
+        </p:spPr>
         <p:txBody>
           <a:bodyPr/>
           <a:lstStyle/>
@@ -1359,7 +1864,12 @@
             <p:ph type="sldNum" sz="quarter" idx="12"/>
           </p:nvPr>
         </p:nvSpPr>
-        <p:spPr/>
+        <p:spPr>
+          <a:xfrm>
+            <a:off x="6883400" y="6480350"/>
+            <a:ext cx="2133600" cy="365125"/>
+          </a:xfrm>
+        </p:spPr>
         <p:txBody>
           <a:bodyPr/>
           <a:lstStyle/>
@@ -1373,7 +1883,145 @@
           </a:p>
         </p:txBody>
       </p:sp>
+      <p:sp>
+        <p:nvSpPr>
+          <p:cNvPr id="8" name="Rectangle 7"/>
+          <p:cNvSpPr/>
+          <p:nvPr/>
+        </p:nvSpPr>
+        <p:spPr>
+          <a:xfrm>
+            <a:off x="9036498" y="0"/>
+            <a:ext cx="107503" cy="6858000"/>
+          </a:xfrm>
+          <a:prstGeom prst="rect">
+            <a:avLst/>
+          </a:prstGeom>
+          <a:gradFill>
+            <a:gsLst>
+              <a:gs pos="0">
+                <a:schemeClr val="accent6">
+                  <a:lumMod val="75000"/>
+                </a:schemeClr>
+              </a:gs>
+              <a:gs pos="50000">
+                <a:schemeClr val="accent6">
+                  <a:lumMod val="60000"/>
+                  <a:lumOff val="40000"/>
+                </a:schemeClr>
+              </a:gs>
+              <a:gs pos="100000">
+                <a:schemeClr val="accent6">
+                  <a:lumMod val="40000"/>
+                  <a:lumOff val="60000"/>
+                  <a:alpha val="69000"/>
+                </a:schemeClr>
+              </a:gs>
+            </a:gsLst>
+            <a:lin ang="5400000" scaled="0"/>
+          </a:gradFill>
+          <a:ln>
+            <a:noFill/>
+          </a:ln>
+        </p:spPr>
+        <p:style>
+          <a:lnRef idx="2">
+            <a:schemeClr val="accent1">
+              <a:shade val="50000"/>
+            </a:schemeClr>
+          </a:lnRef>
+          <a:fillRef idx="1">
+            <a:schemeClr val="accent1"/>
+          </a:fillRef>
+          <a:effectRef idx="0">
+            <a:schemeClr val="accent1"/>
+          </a:effectRef>
+          <a:fontRef idx="minor">
+            <a:schemeClr val="lt1"/>
+          </a:fontRef>
+        </p:style>
+        <p:txBody>
+          <a:bodyPr rtlCol="0" anchor="ctr"/>
+          <a:lstStyle/>
+          <a:p>
+            <a:pPr algn="ctr"/>
+            <a:endParaRPr lang="en-IN" sz="1167"/>
+          </a:p>
+        </p:txBody>
+      </p:sp>
+      <p:sp>
+        <p:nvSpPr>
+          <p:cNvPr id="9" name="Rectangle 8"/>
+          <p:cNvSpPr/>
+          <p:nvPr/>
+        </p:nvSpPr>
+        <p:spPr>
+          <a:xfrm rot="10800000" flipV="1">
+            <a:off x="107505" y="702924"/>
+            <a:ext cx="8928991" cy="61780"/>
+          </a:xfrm>
+          <a:prstGeom prst="rect">
+            <a:avLst/>
+          </a:prstGeom>
+          <a:gradFill flip="none" rotWithShape="1">
+            <a:gsLst>
+              <a:gs pos="0">
+                <a:schemeClr val="accent6">
+                  <a:lumMod val="75000"/>
+                </a:schemeClr>
+              </a:gs>
+              <a:gs pos="50000">
+                <a:schemeClr val="accent6">
+                  <a:lumMod val="60000"/>
+                  <a:lumOff val="40000"/>
+                </a:schemeClr>
+              </a:gs>
+              <a:gs pos="100000">
+                <a:schemeClr val="accent6">
+                  <a:lumMod val="40000"/>
+                  <a:lumOff val="60000"/>
+                  <a:alpha val="0"/>
+                </a:schemeClr>
+              </a:gs>
+            </a:gsLst>
+            <a:lin ang="0" scaled="1"/>
+            <a:tileRect/>
+          </a:gradFill>
+          <a:ln>
+            <a:noFill/>
+          </a:ln>
+        </p:spPr>
+        <p:style>
+          <a:lnRef idx="2">
+            <a:schemeClr val="accent1">
+              <a:shade val="50000"/>
+            </a:schemeClr>
+          </a:lnRef>
+          <a:fillRef idx="1">
+            <a:schemeClr val="accent1"/>
+          </a:fillRef>
+          <a:effectRef idx="0">
+            <a:schemeClr val="accent1"/>
+          </a:effectRef>
+          <a:fontRef idx="minor">
+            <a:schemeClr val="lt1"/>
+          </a:fontRef>
+        </p:style>
+        <p:txBody>
+          <a:bodyPr rtlCol="0" anchor="ctr"/>
+          <a:lstStyle/>
+          <a:p>
+            <a:pPr algn="ctr"/>
+            <a:endParaRPr lang="en-IN" sz="1800"/>
+          </a:p>
+        </p:txBody>
+      </p:sp>
     </p:spTree>
+    <p:extLst>
+      <p:ext uri="{BB962C8B-B14F-4D97-AF65-F5344CB8AC3E}">
+        <p14:creationId xmlns:p14="http://schemas.microsoft.com/office/powerpoint/2010/main" val="928140528"/>
+      </p:ext>
+    </p:extLst>
   </p:cSld>
   <p:clrMapOvr>
     <a:masterClrMapping/>
@@ -1410,15 +2058,15 @@
         </p:nvSpPr>
         <p:spPr>
           <a:xfrm>
-            <a:off x="722313" y="4406900"/>
-            <a:ext cx="7772400" cy="1362075"/>
+            <a:off x="722313" y="4406902"/>
+            <a:ext cx="7772400" cy="1362076"/>
           </a:xfrm>
         </p:spPr>
         <p:txBody>
           <a:bodyPr anchor="t"/>
           <a:lstStyle>
             <a:lvl1pPr algn="l">
-              <a:defRPr sz="4000" b="1" cap="all"/>
+              <a:defRPr sz="3333" b="1" cap="all"/>
             </a:lvl1pPr>
           </a:lstStyle>
           <a:p>
@@ -1426,7 +2074,7 @@
               <a:rPr lang="en-US" smtClean="0"/>
               <a:t>Click to edit Master title style</a:t>
             </a:r>
-            <a:endParaRPr lang="en-US"/>
+            <a:endParaRPr lang="en-IN"/>
           </a:p>
         </p:txBody>
       </p:sp>
@@ -1451,7 +2099,7 @@
           <a:lstStyle>
             <a:lvl1pPr marL="0" indent="0">
               <a:buNone/>
-              <a:defRPr sz="2000">
+              <a:defRPr sz="1667">
                 <a:solidFill>
                   <a:schemeClr val="tx1">
                     <a:tint val="75000"/>
@@ -1459,9 +2107,9 @@
                 </a:solidFill>
               </a:defRPr>
             </a:lvl1pPr>
-            <a:lvl2pPr marL="457200" indent="0">
+            <a:lvl2pPr marL="380985" indent="0">
               <a:buNone/>
-              <a:defRPr sz="1800">
+              <a:defRPr sz="1500">
                 <a:solidFill>
                   <a:schemeClr val="tx1">
                     <a:tint val="75000"/>
@@ -1469,9 +2117,9 @@
                 </a:solidFill>
               </a:defRPr>
             </a:lvl2pPr>
-            <a:lvl3pPr marL="914400" indent="0">
+            <a:lvl3pPr marL="761970" indent="0">
               <a:buNone/>
-              <a:defRPr sz="1600">
+              <a:defRPr sz="1333">
                 <a:solidFill>
                   <a:schemeClr val="tx1">
                     <a:tint val="75000"/>
@@ -1479,9 +2127,9 @@
                 </a:solidFill>
               </a:defRPr>
             </a:lvl3pPr>
-            <a:lvl4pPr marL="1371600" indent="0">
+            <a:lvl4pPr marL="1142954" indent="0">
               <a:buNone/>
-              <a:defRPr sz="1400">
+              <a:defRPr sz="1167">
                 <a:solidFill>
                   <a:schemeClr val="tx1">
                     <a:tint val="75000"/>
@@ -1489,9 +2137,9 @@
                 </a:solidFill>
               </a:defRPr>
             </a:lvl4pPr>
-            <a:lvl5pPr marL="1828800" indent="0">
+            <a:lvl5pPr marL="1523939" indent="0">
               <a:buNone/>
-              <a:defRPr sz="1400">
+              <a:defRPr sz="1167">
                 <a:solidFill>
                   <a:schemeClr val="tx1">
                     <a:tint val="75000"/>
@@ -1499,9 +2147,9 @@
                 </a:solidFill>
               </a:defRPr>
             </a:lvl5pPr>
-            <a:lvl6pPr marL="2286000" indent="0">
+            <a:lvl6pPr marL="1904924" indent="0">
               <a:buNone/>
-              <a:defRPr sz="1400">
+              <a:defRPr sz="1167">
                 <a:solidFill>
                   <a:schemeClr val="tx1">
                     <a:tint val="75000"/>
@@ -1509,9 +2157,9 @@
                 </a:solidFill>
               </a:defRPr>
             </a:lvl6pPr>
-            <a:lvl7pPr marL="2743200" indent="0">
+            <a:lvl7pPr marL="2285909" indent="0">
               <a:buNone/>
-              <a:defRPr sz="1400">
+              <a:defRPr sz="1167">
                 <a:solidFill>
                   <a:schemeClr val="tx1">
                     <a:tint val="75000"/>
@@ -1519,9 +2167,9 @@
                 </a:solidFill>
               </a:defRPr>
             </a:lvl7pPr>
-            <a:lvl8pPr marL="3200400" indent="0">
+            <a:lvl8pPr marL="2666893" indent="0">
               <a:buNone/>
-              <a:defRPr sz="1400">
+              <a:defRPr sz="1167">
                 <a:solidFill>
                   <a:schemeClr val="tx1">
                     <a:tint val="75000"/>
@@ -1529,9 +2177,9 @@
                 </a:solidFill>
               </a:defRPr>
             </a:lvl8pPr>
-            <a:lvl9pPr marL="3657600" indent="0">
+            <a:lvl9pPr marL="3047878" indent="0">
               <a:buNone/>
-              <a:defRPr sz="1400">
+              <a:defRPr sz="1167">
                 <a:solidFill>
                   <a:schemeClr val="tx1">
                     <a:tint val="75000"/>
@@ -1567,7 +2215,7 @@
             <a:fld id="{1D8BD707-D9CF-40AE-B4C6-C98DA3205C09}" type="datetimeFigureOut">
               <a:rPr lang="en-US" smtClean="0"/>
               <a:pPr/>
-              <a:t>8/7/2015</a:t>
+              <a:t>8/7/15</a:t>
             </a:fld>
             <a:endParaRPr lang="en-US"/>
           </a:p>
@@ -1616,7 +2264,78 @@
           </a:p>
         </p:txBody>
       </p:sp>
+      <p:sp>
+        <p:nvSpPr>
+          <p:cNvPr id="7" name="Rectangle 6"/>
+          <p:cNvSpPr/>
+          <p:nvPr/>
+        </p:nvSpPr>
+        <p:spPr>
+          <a:xfrm>
+            <a:off x="9036498" y="0"/>
+            <a:ext cx="107503" cy="6858000"/>
+          </a:xfrm>
+          <a:prstGeom prst="rect">
+            <a:avLst/>
+          </a:prstGeom>
+          <a:gradFill>
+            <a:gsLst>
+              <a:gs pos="0">
+                <a:schemeClr val="accent6">
+                  <a:lumMod val="75000"/>
+                </a:schemeClr>
+              </a:gs>
+              <a:gs pos="50000">
+                <a:schemeClr val="accent6">
+                  <a:lumMod val="60000"/>
+                  <a:lumOff val="40000"/>
+                </a:schemeClr>
+              </a:gs>
+              <a:gs pos="100000">
+                <a:schemeClr val="accent6">
+                  <a:lumMod val="40000"/>
+                  <a:lumOff val="60000"/>
+                  <a:alpha val="69000"/>
+                </a:schemeClr>
+              </a:gs>
+            </a:gsLst>
+            <a:lin ang="5400000" scaled="0"/>
+          </a:gradFill>
+          <a:ln>
+            <a:noFill/>
+          </a:ln>
+        </p:spPr>
+        <p:style>
+          <a:lnRef idx="2">
+            <a:schemeClr val="accent1">
+              <a:shade val="50000"/>
+            </a:schemeClr>
+          </a:lnRef>
+          <a:fillRef idx="1">
+            <a:schemeClr val="accent1"/>
+          </a:fillRef>
+          <a:effectRef idx="0">
+            <a:schemeClr val="accent1"/>
+          </a:effectRef>
+          <a:fontRef idx="minor">
+            <a:schemeClr val="lt1"/>
+          </a:fontRef>
+        </p:style>
+        <p:txBody>
+          <a:bodyPr rtlCol="0" anchor="ctr"/>
+          <a:lstStyle/>
+          <a:p>
+            <a:pPr algn="ctr"/>
+            <a:endParaRPr lang="en-IN" sz="1167"/>
+          </a:p>
+        </p:txBody>
+      </p:sp>
     </p:spTree>
+    <p:extLst>
+      <p:ext uri="{BB962C8B-B14F-4D97-AF65-F5344CB8AC3E}">
+        <p14:creationId xmlns:p14="http://schemas.microsoft.com/office/powerpoint/2010/main" val="1892430639"/>
+      </p:ext>
+    </p:extLst>
   </p:cSld>
   <p:clrMapOvr>
     <a:masterClrMapping/>
@@ -1660,7 +2379,7 @@
               <a:rPr lang="en-US" smtClean="0"/>
               <a:t>Click to edit Master title style</a:t>
             </a:r>
-            <a:endParaRPr lang="en-US"/>
+            <a:endParaRPr lang="en-IN"/>
           </a:p>
         </p:txBody>
       </p:sp>
@@ -1676,7 +2395,7 @@
         </p:nvSpPr>
         <p:spPr>
           <a:xfrm>
-            <a:off x="457200" y="1600200"/>
+            <a:off x="457200" y="1600201"/>
             <a:ext cx="4038600" cy="4525963"/>
           </a:xfrm>
         </p:spPr>
@@ -1684,31 +2403,31 @@
           <a:bodyPr/>
           <a:lstStyle>
             <a:lvl1pPr>
-              <a:defRPr sz="2800"/>
+              <a:defRPr sz="2333"/>
             </a:lvl1pPr>
             <a:lvl2pPr>
-              <a:defRPr sz="2400"/>
+              <a:defRPr sz="2000"/>
             </a:lvl2pPr>
             <a:lvl3pPr>
-              <a:defRPr sz="2000"/>
+              <a:defRPr sz="1667"/>
             </a:lvl3pPr>
             <a:lvl4pPr>
-              <a:defRPr sz="1800"/>
+              <a:defRPr sz="1500"/>
             </a:lvl4pPr>
             <a:lvl5pPr>
-              <a:defRPr sz="1800"/>
+              <a:defRPr sz="1500"/>
             </a:lvl5pPr>
             <a:lvl6pPr>
-              <a:defRPr sz="1800"/>
+              <a:defRPr sz="1500"/>
             </a:lvl6pPr>
             <a:lvl7pPr>
-              <a:defRPr sz="1800"/>
+              <a:defRPr sz="1500"/>
             </a:lvl7pPr>
             <a:lvl8pPr>
-              <a:defRPr sz="1800"/>
+              <a:defRPr sz="1500"/>
             </a:lvl8pPr>
             <a:lvl9pPr>
-              <a:defRPr sz="1800"/>
+              <a:defRPr sz="1500"/>
             </a:lvl9pPr>
           </a:lstStyle>
           <a:p>
@@ -1745,7 +2464,7 @@
               <a:rPr lang="en-US" smtClean="0"/>
               <a:t>Fifth level</a:t>
             </a:r>
-            <a:endParaRPr lang="en-US"/>
+            <a:endParaRPr lang="en-IN"/>
           </a:p>
         </p:txBody>
       </p:sp>
@@ -1761,7 +2480,7 @@
         </p:nvSpPr>
         <p:spPr>
           <a:xfrm>
-            <a:off x="4648200" y="1600200"/>
+            <a:off x="4648200" y="1600201"/>
             <a:ext cx="4038600" cy="4525963"/>
           </a:xfrm>
         </p:spPr>
@@ -1769,31 +2488,31 @@
           <a:bodyPr/>
           <a:lstStyle>
             <a:lvl1pPr>
-              <a:defRPr sz="2800"/>
+              <a:defRPr sz="2333"/>
             </a:lvl1pPr>
             <a:lvl2pPr>
-              <a:defRPr sz="2400"/>
+              <a:defRPr sz="2000"/>
             </a:lvl2pPr>
             <a:lvl3pPr>
-              <a:defRPr sz="2000"/>
+              <a:defRPr sz="1667"/>
             </a:lvl3pPr>
             <a:lvl4pPr>
-              <a:defRPr sz="1800"/>
+              <a:defRPr sz="1500"/>
             </a:lvl4pPr>
             <a:lvl5pPr>
-              <a:defRPr sz="1800"/>
+              <a:defRPr sz="1500"/>
             </a:lvl5pPr>
             <a:lvl6pPr>
-              <a:defRPr sz="1800"/>
+              <a:defRPr sz="1500"/>
             </a:lvl6pPr>
             <a:lvl7pPr>
-              <a:defRPr sz="1800"/>
+              <a:defRPr sz="1500"/>
             </a:lvl7pPr>
             <a:lvl8pPr>
-              <a:defRPr sz="1800"/>
+              <a:defRPr sz="1500"/>
             </a:lvl8pPr>
             <a:lvl9pPr>
-              <a:defRPr sz="1800"/>
+              <a:defRPr sz="1500"/>
             </a:lvl9pPr>
           </a:lstStyle>
           <a:p>
@@ -1830,7 +2549,7 @@
               <a:rPr lang="en-US" smtClean="0"/>
               <a:t>Fifth level</a:t>
             </a:r>
-            <a:endParaRPr lang="en-US"/>
+            <a:endParaRPr lang="en-IN"/>
           </a:p>
         </p:txBody>
       </p:sp>
@@ -1852,7 +2571,7 @@
             <a:fld id="{1D8BD707-D9CF-40AE-B4C6-C98DA3205C09}" type="datetimeFigureOut">
               <a:rPr lang="en-US" smtClean="0"/>
               <a:pPr/>
-              <a:t>8/7/2015</a:t>
+              <a:t>8/7/15</a:t>
             </a:fld>
             <a:endParaRPr lang="en-US"/>
           </a:p>
@@ -1901,7 +2620,145 @@
           </a:p>
         </p:txBody>
       </p:sp>
+      <p:sp>
+        <p:nvSpPr>
+          <p:cNvPr id="8" name="Rectangle 7"/>
+          <p:cNvSpPr/>
+          <p:nvPr/>
+        </p:nvSpPr>
+        <p:spPr>
+          <a:xfrm>
+            <a:off x="9036498" y="0"/>
+            <a:ext cx="107503" cy="6858000"/>
+          </a:xfrm>
+          <a:prstGeom prst="rect">
+            <a:avLst/>
+          </a:prstGeom>
+          <a:gradFill>
+            <a:gsLst>
+              <a:gs pos="0">
+                <a:schemeClr val="accent6">
+                  <a:lumMod val="75000"/>
+                </a:schemeClr>
+              </a:gs>
+              <a:gs pos="50000">
+                <a:schemeClr val="accent6">
+                  <a:lumMod val="60000"/>
+                  <a:lumOff val="40000"/>
+                </a:schemeClr>
+              </a:gs>
+              <a:gs pos="100000">
+                <a:schemeClr val="accent6">
+                  <a:lumMod val="40000"/>
+                  <a:lumOff val="60000"/>
+                  <a:alpha val="69000"/>
+                </a:schemeClr>
+              </a:gs>
+            </a:gsLst>
+            <a:lin ang="5400000" scaled="0"/>
+          </a:gradFill>
+          <a:ln>
+            <a:noFill/>
+          </a:ln>
+        </p:spPr>
+        <p:style>
+          <a:lnRef idx="2">
+            <a:schemeClr val="accent1">
+              <a:shade val="50000"/>
+            </a:schemeClr>
+          </a:lnRef>
+          <a:fillRef idx="1">
+            <a:schemeClr val="accent1"/>
+          </a:fillRef>
+          <a:effectRef idx="0">
+            <a:schemeClr val="accent1"/>
+          </a:effectRef>
+          <a:fontRef idx="minor">
+            <a:schemeClr val="lt1"/>
+          </a:fontRef>
+        </p:style>
+        <p:txBody>
+          <a:bodyPr rtlCol="0" anchor="ctr"/>
+          <a:lstStyle/>
+          <a:p>
+            <a:pPr algn="ctr"/>
+            <a:endParaRPr lang="en-IN" sz="1167"/>
+          </a:p>
+        </p:txBody>
+      </p:sp>
+      <p:sp>
+        <p:nvSpPr>
+          <p:cNvPr id="9" name="Rectangle 8"/>
+          <p:cNvSpPr/>
+          <p:nvPr/>
+        </p:nvSpPr>
+        <p:spPr>
+          <a:xfrm rot="10800000" flipV="1">
+            <a:off x="107505" y="702924"/>
+            <a:ext cx="8928991" cy="61780"/>
+          </a:xfrm>
+          <a:prstGeom prst="rect">
+            <a:avLst/>
+          </a:prstGeom>
+          <a:gradFill flip="none" rotWithShape="1">
+            <a:gsLst>
+              <a:gs pos="0">
+                <a:schemeClr val="accent6">
+                  <a:lumMod val="75000"/>
+                </a:schemeClr>
+              </a:gs>
+              <a:gs pos="50000">
+                <a:schemeClr val="accent6">
+                  <a:lumMod val="60000"/>
+                  <a:lumOff val="40000"/>
+                </a:schemeClr>
+              </a:gs>
+              <a:gs pos="100000">
+                <a:schemeClr val="accent6">
+                  <a:lumMod val="40000"/>
+                  <a:lumOff val="60000"/>
+                  <a:alpha val="0"/>
+                </a:schemeClr>
+              </a:gs>
+            </a:gsLst>
+            <a:lin ang="0" scaled="1"/>
+            <a:tileRect/>
+          </a:gradFill>
+          <a:ln>
+            <a:noFill/>
+          </a:ln>
+        </p:spPr>
+        <p:style>
+          <a:lnRef idx="2">
+            <a:schemeClr val="accent1">
+              <a:shade val="50000"/>
+            </a:schemeClr>
+          </a:lnRef>
+          <a:fillRef idx="1">
+            <a:schemeClr val="accent1"/>
+          </a:fillRef>
+          <a:effectRef idx="0">
+            <a:schemeClr val="accent1"/>
+          </a:effectRef>
+          <a:fontRef idx="minor">
+            <a:schemeClr val="lt1"/>
+          </a:fontRef>
+        </p:style>
+        <p:txBody>
+          <a:bodyPr rtlCol="0" anchor="ctr"/>
+          <a:lstStyle/>
+          <a:p>
+            <a:pPr algn="ctr"/>
+            <a:endParaRPr lang="en-IN" sz="1800"/>
+          </a:p>
+        </p:txBody>
+      </p:sp>
     </p:spTree>
+    <p:extLst>
+      <p:ext uri="{BB962C8B-B14F-4D97-AF65-F5344CB8AC3E}">
+        <p14:creationId xmlns:p14="http://schemas.microsoft.com/office/powerpoint/2010/main" val="1449228398"/>
+      </p:ext>
+    </p:extLst>
   </p:cSld>
   <p:clrMapOvr>
     <a:masterClrMapping/>
@@ -1949,7 +2806,7 @@
               <a:rPr lang="en-US" smtClean="0"/>
               <a:t>Click to edit Master title style</a:t>
             </a:r>
-            <a:endParaRPr lang="en-US"/>
+            <a:endParaRPr lang="en-IN"/>
           </a:p>
         </p:txBody>
       </p:sp>
@@ -1965,7 +2822,7 @@
         </p:nvSpPr>
         <p:spPr>
           <a:xfrm>
-            <a:off x="457200" y="1535113"/>
+            <a:off x="457200" y="1535114"/>
             <a:ext cx="4040188" cy="639762"/>
           </a:xfrm>
         </p:spPr>
@@ -1974,39 +2831,39 @@
           <a:lstStyle>
             <a:lvl1pPr marL="0" indent="0">
               <a:buNone/>
-              <a:defRPr sz="2400" b="1"/>
+              <a:defRPr sz="2000" b="1"/>
             </a:lvl1pPr>
-            <a:lvl2pPr marL="457200" indent="0">
+            <a:lvl2pPr marL="380985" indent="0">
               <a:buNone/>
-              <a:defRPr sz="2000" b="1"/>
+              <a:defRPr sz="1667" b="1"/>
             </a:lvl2pPr>
-            <a:lvl3pPr marL="914400" indent="0">
+            <a:lvl3pPr marL="761970" indent="0">
               <a:buNone/>
-              <a:defRPr sz="1800" b="1"/>
+              <a:defRPr sz="1500" b="1"/>
             </a:lvl3pPr>
-            <a:lvl4pPr marL="1371600" indent="0">
+            <a:lvl4pPr marL="1142954" indent="0">
               <a:buNone/>
-              <a:defRPr sz="1600" b="1"/>
+              <a:defRPr sz="1333" b="1"/>
             </a:lvl4pPr>
-            <a:lvl5pPr marL="1828800" indent="0">
+            <a:lvl5pPr marL="1523939" indent="0">
               <a:buNone/>
-              <a:defRPr sz="1600" b="1"/>
+              <a:defRPr sz="1333" b="1"/>
             </a:lvl5pPr>
-            <a:lvl6pPr marL="2286000" indent="0">
+            <a:lvl6pPr marL="1904924" indent="0">
               <a:buNone/>
-              <a:defRPr sz="1600" b="1"/>
+              <a:defRPr sz="1333" b="1"/>
             </a:lvl6pPr>
-            <a:lvl7pPr marL="2743200" indent="0">
+            <a:lvl7pPr marL="2285909" indent="0">
               <a:buNone/>
-              <a:defRPr sz="1600" b="1"/>
+              <a:defRPr sz="1333" b="1"/>
             </a:lvl7pPr>
-            <a:lvl8pPr marL="3200400" indent="0">
+            <a:lvl8pPr marL="2666893" indent="0">
               <a:buNone/>
-              <a:defRPr sz="1600" b="1"/>
+              <a:defRPr sz="1333" b="1"/>
             </a:lvl8pPr>
-            <a:lvl9pPr marL="3657600" indent="0">
+            <a:lvl9pPr marL="3047878" indent="0">
               <a:buNone/>
-              <a:defRPr sz="1600" b="1"/>
+              <a:defRPr sz="1333" b="1"/>
             </a:lvl9pPr>
           </a:lstStyle>
           <a:p>
@@ -2038,31 +2895,31 @@
           <a:bodyPr/>
           <a:lstStyle>
             <a:lvl1pPr>
-              <a:defRPr sz="2400"/>
+              <a:defRPr sz="2000"/>
             </a:lvl1pPr>
             <a:lvl2pPr>
-              <a:defRPr sz="2000"/>
+              <a:defRPr sz="1667"/>
             </a:lvl2pPr>
             <a:lvl3pPr>
-              <a:defRPr sz="1800"/>
+              <a:defRPr sz="1500"/>
             </a:lvl3pPr>
             <a:lvl4pPr>
-              <a:defRPr sz="1600"/>
+              <a:defRPr sz="1333"/>
             </a:lvl4pPr>
             <a:lvl5pPr>
-              <a:defRPr sz="1600"/>
+              <a:defRPr sz="1333"/>
             </a:lvl5pPr>
             <a:lvl6pPr>
-              <a:defRPr sz="1600"/>
+              <a:defRPr sz="1333"/>
             </a:lvl6pPr>
             <a:lvl7pPr>
-              <a:defRPr sz="1600"/>
+              <a:defRPr sz="1333"/>
             </a:lvl7pPr>
             <a:lvl8pPr>
-              <a:defRPr sz="1600"/>
+              <a:defRPr sz="1333"/>
             </a:lvl8pPr>
             <a:lvl9pPr>
-              <a:defRPr sz="1600"/>
+              <a:defRPr sz="1333"/>
             </a:lvl9pPr>
           </a:lstStyle>
           <a:p>
@@ -2099,7 +2956,7 @@
               <a:rPr lang="en-US" smtClean="0"/>
               <a:t>Fifth level</a:t>
             </a:r>
-            <a:endParaRPr lang="en-US"/>
+            <a:endParaRPr lang="en-IN"/>
           </a:p>
         </p:txBody>
       </p:sp>
@@ -2115,7 +2972,7 @@
         </p:nvSpPr>
         <p:spPr>
           <a:xfrm>
-            <a:off x="4645025" y="1535113"/>
+            <a:off x="4645027" y="1535114"/>
             <a:ext cx="4041775" cy="639762"/>
           </a:xfrm>
         </p:spPr>
@@ -2124,39 +2981,39 @@
           <a:lstStyle>
             <a:lvl1pPr marL="0" indent="0">
               <a:buNone/>
-              <a:defRPr sz="2400" b="1"/>
+              <a:defRPr sz="2000" b="1"/>
             </a:lvl1pPr>
-            <a:lvl2pPr marL="457200" indent="0">
+            <a:lvl2pPr marL="380985" indent="0">
               <a:buNone/>
-              <a:defRPr sz="2000" b="1"/>
+              <a:defRPr sz="1667" b="1"/>
             </a:lvl2pPr>
-            <a:lvl3pPr marL="914400" indent="0">
+            <a:lvl3pPr marL="761970" indent="0">
               <a:buNone/>
-              <a:defRPr sz="1800" b="1"/>
+              <a:defRPr sz="1500" b="1"/>
             </a:lvl3pPr>
-            <a:lvl4pPr marL="1371600" indent="0">
+            <a:lvl4pPr marL="1142954" indent="0">
               <a:buNone/>
-              <a:defRPr sz="1600" b="1"/>
+              <a:defRPr sz="1333" b="1"/>
             </a:lvl4pPr>
-            <a:lvl5pPr marL="1828800" indent="0">
+            <a:lvl5pPr marL="1523939" indent="0">
               <a:buNone/>
-              <a:defRPr sz="1600" b="1"/>
+              <a:defRPr sz="1333" b="1"/>
             </a:lvl5pPr>
-            <a:lvl6pPr marL="2286000" indent="0">
+            <a:lvl6pPr marL="1904924" indent="0">
               <a:buNone/>
-              <a:defRPr sz="1600" b="1"/>
+              <a:defRPr sz="1333" b="1"/>
             </a:lvl6pPr>
-            <a:lvl7pPr marL="2743200" indent="0">
+            <a:lvl7pPr marL="2285909" indent="0">
               <a:buNone/>
-              <a:defRPr sz="1600" b="1"/>
+              <a:defRPr sz="1333" b="1"/>
             </a:lvl7pPr>
-            <a:lvl8pPr marL="3200400" indent="0">
+            <a:lvl8pPr marL="2666893" indent="0">
               <a:buNone/>
-              <a:defRPr sz="1600" b="1"/>
+              <a:defRPr sz="1333" b="1"/>
             </a:lvl8pPr>
-            <a:lvl9pPr marL="3657600" indent="0">
+            <a:lvl9pPr marL="3047878" indent="0">
               <a:buNone/>
-              <a:defRPr sz="1600" b="1"/>
+              <a:defRPr sz="1333" b="1"/>
             </a:lvl9pPr>
           </a:lstStyle>
           <a:p>
@@ -2180,7 +3037,7 @@
         </p:nvSpPr>
         <p:spPr>
           <a:xfrm>
-            <a:off x="4645025" y="2174875"/>
+            <a:off x="4645027" y="2174875"/>
             <a:ext cx="4041775" cy="3951288"/>
           </a:xfrm>
         </p:spPr>
@@ -2188,31 +3045,31 @@
           <a:bodyPr/>
           <a:lstStyle>
             <a:lvl1pPr>
-              <a:defRPr sz="2400"/>
+              <a:defRPr sz="2000"/>
             </a:lvl1pPr>
             <a:lvl2pPr>
-              <a:defRPr sz="2000"/>
+              <a:defRPr sz="1667"/>
             </a:lvl2pPr>
             <a:lvl3pPr>
-              <a:defRPr sz="1800"/>
+              <a:defRPr sz="1500"/>
             </a:lvl3pPr>
             <a:lvl4pPr>
-              <a:defRPr sz="1600"/>
+              <a:defRPr sz="1333"/>
             </a:lvl4pPr>
             <a:lvl5pPr>
-              <a:defRPr sz="1600"/>
+              <a:defRPr sz="1333"/>
             </a:lvl5pPr>
             <a:lvl6pPr>
-              <a:defRPr sz="1600"/>
+              <a:defRPr sz="1333"/>
             </a:lvl6pPr>
             <a:lvl7pPr>
-              <a:defRPr sz="1600"/>
+              <a:defRPr sz="1333"/>
             </a:lvl7pPr>
             <a:lvl8pPr>
-              <a:defRPr sz="1600"/>
+              <a:defRPr sz="1333"/>
             </a:lvl8pPr>
             <a:lvl9pPr>
-              <a:defRPr sz="1600"/>
+              <a:defRPr sz="1333"/>
             </a:lvl9pPr>
           </a:lstStyle>
           <a:p>
@@ -2249,7 +3106,7 @@
               <a:rPr lang="en-US" smtClean="0"/>
               <a:t>Fifth level</a:t>
             </a:r>
-            <a:endParaRPr lang="en-US"/>
+            <a:endParaRPr lang="en-IN"/>
           </a:p>
         </p:txBody>
       </p:sp>
@@ -2271,7 +3128,7 @@
             <a:fld id="{1D8BD707-D9CF-40AE-B4C6-C98DA3205C09}" type="datetimeFigureOut">
               <a:rPr lang="en-US" smtClean="0"/>
               <a:pPr/>
-              <a:t>8/7/2015</a:t>
+              <a:t>8/7/15</a:t>
             </a:fld>
             <a:endParaRPr lang="en-US"/>
           </a:p>
@@ -2320,7 +3177,145 @@
           </a:p>
         </p:txBody>
       </p:sp>
+      <p:sp>
+        <p:nvSpPr>
+          <p:cNvPr id="10" name="Rectangle 9"/>
+          <p:cNvSpPr/>
+          <p:nvPr/>
+        </p:nvSpPr>
+        <p:spPr>
+          <a:xfrm>
+            <a:off x="9036498" y="0"/>
+            <a:ext cx="107503" cy="6858000"/>
+          </a:xfrm>
+          <a:prstGeom prst="rect">
+            <a:avLst/>
+          </a:prstGeom>
+          <a:gradFill>
+            <a:gsLst>
+              <a:gs pos="0">
+                <a:schemeClr val="accent6">
+                  <a:lumMod val="75000"/>
+                </a:schemeClr>
+              </a:gs>
+              <a:gs pos="50000">
+                <a:schemeClr val="accent6">
+                  <a:lumMod val="60000"/>
+                  <a:lumOff val="40000"/>
+                </a:schemeClr>
+              </a:gs>
+              <a:gs pos="100000">
+                <a:schemeClr val="accent6">
+                  <a:lumMod val="40000"/>
+                  <a:lumOff val="60000"/>
+                  <a:alpha val="69000"/>
+                </a:schemeClr>
+              </a:gs>
+            </a:gsLst>
+            <a:lin ang="5400000" scaled="0"/>
+          </a:gradFill>
+          <a:ln>
+            <a:noFill/>
+          </a:ln>
+        </p:spPr>
+        <p:style>
+          <a:lnRef idx="2">
+            <a:schemeClr val="accent1">
+              <a:shade val="50000"/>
+            </a:schemeClr>
+          </a:lnRef>
+          <a:fillRef idx="1">
+            <a:schemeClr val="accent1"/>
+          </a:fillRef>
+          <a:effectRef idx="0">
+            <a:schemeClr val="accent1"/>
+          </a:effectRef>
+          <a:fontRef idx="minor">
+            <a:schemeClr val="lt1"/>
+          </a:fontRef>
+        </p:style>
+        <p:txBody>
+          <a:bodyPr rtlCol="0" anchor="ctr"/>
+          <a:lstStyle/>
+          <a:p>
+            <a:pPr algn="ctr"/>
+            <a:endParaRPr lang="en-IN" sz="1167"/>
+          </a:p>
+        </p:txBody>
+      </p:sp>
+      <p:sp>
+        <p:nvSpPr>
+          <p:cNvPr id="11" name="Rectangle 10"/>
+          <p:cNvSpPr/>
+          <p:nvPr/>
+        </p:nvSpPr>
+        <p:spPr>
+          <a:xfrm rot="10800000" flipV="1">
+            <a:off x="107505" y="702924"/>
+            <a:ext cx="8928991" cy="61780"/>
+          </a:xfrm>
+          <a:prstGeom prst="rect">
+            <a:avLst/>
+          </a:prstGeom>
+          <a:gradFill flip="none" rotWithShape="1">
+            <a:gsLst>
+              <a:gs pos="0">
+                <a:schemeClr val="accent6">
+                  <a:lumMod val="75000"/>
+                </a:schemeClr>
+              </a:gs>
+              <a:gs pos="50000">
+                <a:schemeClr val="accent6">
+                  <a:lumMod val="60000"/>
+                  <a:lumOff val="40000"/>
+                </a:schemeClr>
+              </a:gs>
+              <a:gs pos="100000">
+                <a:schemeClr val="accent6">
+                  <a:lumMod val="40000"/>
+                  <a:lumOff val="60000"/>
+                  <a:alpha val="0"/>
+                </a:schemeClr>
+              </a:gs>
+            </a:gsLst>
+            <a:lin ang="0" scaled="1"/>
+            <a:tileRect/>
+          </a:gradFill>
+          <a:ln>
+            <a:noFill/>
+          </a:ln>
+        </p:spPr>
+        <p:style>
+          <a:lnRef idx="2">
+            <a:schemeClr val="accent1">
+              <a:shade val="50000"/>
+            </a:schemeClr>
+          </a:lnRef>
+          <a:fillRef idx="1">
+            <a:schemeClr val="accent1"/>
+          </a:fillRef>
+          <a:effectRef idx="0">
+            <a:schemeClr val="accent1"/>
+          </a:effectRef>
+          <a:fontRef idx="minor">
+            <a:schemeClr val="lt1"/>
+          </a:fontRef>
+        </p:style>
+        <p:txBody>
+          <a:bodyPr rtlCol="0" anchor="ctr"/>
+          <a:lstStyle/>
+          <a:p>
+            <a:pPr algn="ctr"/>
+            <a:endParaRPr lang="en-IN" sz="1800"/>
+          </a:p>
+        </p:txBody>
+      </p:sp>
     </p:spTree>
+    <p:extLst>
+      <p:ext uri="{BB962C8B-B14F-4D97-AF65-F5344CB8AC3E}">
+        <p14:creationId xmlns:p14="http://schemas.microsoft.com/office/powerpoint/2010/main" val="989241888"/>
+      </p:ext>
+    </p:extLst>
   </p:cSld>
   <p:clrMapOvr>
     <a:masterClrMapping/>
@@ -2364,7 +3359,7 @@
               <a:rPr lang="en-US" smtClean="0"/>
               <a:t>Click to edit Master title style</a:t>
             </a:r>
-            <a:endParaRPr lang="en-US"/>
+            <a:endParaRPr lang="en-IN"/>
           </a:p>
         </p:txBody>
       </p:sp>
@@ -2386,7 +3381,7 @@
             <a:fld id="{1D8BD707-D9CF-40AE-B4C6-C98DA3205C09}" type="datetimeFigureOut">
               <a:rPr lang="en-US" smtClean="0"/>
               <a:pPr/>
-              <a:t>8/7/2015</a:t>
+              <a:t>8/7/15</a:t>
             </a:fld>
             <a:endParaRPr lang="en-US"/>
           </a:p>
@@ -2435,7 +3430,145 @@
           </a:p>
         </p:txBody>
       </p:sp>
+      <p:sp>
+        <p:nvSpPr>
+          <p:cNvPr id="6" name="Rectangle 5"/>
+          <p:cNvSpPr/>
+          <p:nvPr/>
+        </p:nvSpPr>
+        <p:spPr>
+          <a:xfrm>
+            <a:off x="9036498" y="0"/>
+            <a:ext cx="107503" cy="6858000"/>
+          </a:xfrm>
+          <a:prstGeom prst="rect">
+            <a:avLst/>
+          </a:prstGeom>
+          <a:gradFill>
+            <a:gsLst>
+              <a:gs pos="0">
+                <a:schemeClr val="accent6">
+                  <a:lumMod val="75000"/>
+                </a:schemeClr>
+              </a:gs>
+              <a:gs pos="50000">
+                <a:schemeClr val="accent6">
+                  <a:lumMod val="60000"/>
+                  <a:lumOff val="40000"/>
+                </a:schemeClr>
+              </a:gs>
+              <a:gs pos="100000">
+                <a:schemeClr val="accent6">
+                  <a:lumMod val="40000"/>
+                  <a:lumOff val="60000"/>
+                  <a:alpha val="69000"/>
+                </a:schemeClr>
+              </a:gs>
+            </a:gsLst>
+            <a:lin ang="5400000" scaled="0"/>
+          </a:gradFill>
+          <a:ln>
+            <a:noFill/>
+          </a:ln>
+        </p:spPr>
+        <p:style>
+          <a:lnRef idx="2">
+            <a:schemeClr val="accent1">
+              <a:shade val="50000"/>
+            </a:schemeClr>
+          </a:lnRef>
+          <a:fillRef idx="1">
+            <a:schemeClr val="accent1"/>
+          </a:fillRef>
+          <a:effectRef idx="0">
+            <a:schemeClr val="accent1"/>
+          </a:effectRef>
+          <a:fontRef idx="minor">
+            <a:schemeClr val="lt1"/>
+          </a:fontRef>
+        </p:style>
+        <p:txBody>
+          <a:bodyPr rtlCol="0" anchor="ctr"/>
+          <a:lstStyle/>
+          <a:p>
+            <a:pPr algn="ctr"/>
+            <a:endParaRPr lang="en-IN" sz="1167"/>
+          </a:p>
+        </p:txBody>
+      </p:sp>
+      <p:sp>
+        <p:nvSpPr>
+          <p:cNvPr id="7" name="Rectangle 6"/>
+          <p:cNvSpPr/>
+          <p:nvPr/>
+        </p:nvSpPr>
+        <p:spPr>
+          <a:xfrm rot="10800000" flipV="1">
+            <a:off x="107505" y="702924"/>
+            <a:ext cx="8928991" cy="61780"/>
+          </a:xfrm>
+          <a:prstGeom prst="rect">
+            <a:avLst/>
+          </a:prstGeom>
+          <a:gradFill flip="none" rotWithShape="1">
+            <a:gsLst>
+              <a:gs pos="0">
+                <a:schemeClr val="accent6">
+                  <a:lumMod val="75000"/>
+                </a:schemeClr>
+              </a:gs>
+              <a:gs pos="50000">
+                <a:schemeClr val="accent6">
+                  <a:lumMod val="60000"/>
+                  <a:lumOff val="40000"/>
+                </a:schemeClr>
+              </a:gs>
+              <a:gs pos="100000">
+                <a:schemeClr val="accent6">
+                  <a:lumMod val="40000"/>
+                  <a:lumOff val="60000"/>
+                  <a:alpha val="0"/>
+                </a:schemeClr>
+              </a:gs>
+            </a:gsLst>
+            <a:lin ang="0" scaled="1"/>
+            <a:tileRect/>
+          </a:gradFill>
+          <a:ln>
+            <a:noFill/>
+          </a:ln>
+        </p:spPr>
+        <p:style>
+          <a:lnRef idx="2">
+            <a:schemeClr val="accent1">
+              <a:shade val="50000"/>
+            </a:schemeClr>
+          </a:lnRef>
+          <a:fillRef idx="1">
+            <a:schemeClr val="accent1"/>
+          </a:fillRef>
+          <a:effectRef idx="0">
+            <a:schemeClr val="accent1"/>
+          </a:effectRef>
+          <a:fontRef idx="minor">
+            <a:schemeClr val="lt1"/>
+          </a:fontRef>
+        </p:style>
+        <p:txBody>
+          <a:bodyPr rtlCol="0" anchor="ctr"/>
+          <a:lstStyle/>
+          <a:p>
+            <a:pPr algn="ctr"/>
+            <a:endParaRPr lang="en-IN" sz="1800"/>
+          </a:p>
+        </p:txBody>
+      </p:sp>
     </p:spTree>
+    <p:extLst>
+      <p:ext uri="{BB962C8B-B14F-4D97-AF65-F5344CB8AC3E}">
+        <p14:creationId xmlns:p14="http://schemas.microsoft.com/office/powerpoint/2010/main" val="1012836610"/>
+      </p:ext>
+    </p:extLst>
   </p:cSld>
   <p:clrMapOvr>
     <a:masterClrMapping/>
@@ -2478,7 +3611,7 @@
             <a:fld id="{1D8BD707-D9CF-40AE-B4C6-C98DA3205C09}" type="datetimeFigureOut">
               <a:rPr lang="en-US" smtClean="0"/>
               <a:pPr/>
-              <a:t>8/7/2015</a:t>
+              <a:t>8/7/15</a:t>
             </a:fld>
             <a:endParaRPr lang="en-US"/>
           </a:p>
@@ -2527,7 +3660,145 @@
           </a:p>
         </p:txBody>
       </p:sp>
+      <p:sp>
+        <p:nvSpPr>
+          <p:cNvPr id="5" name="Rectangle 4"/>
+          <p:cNvSpPr/>
+          <p:nvPr/>
+        </p:nvSpPr>
+        <p:spPr>
+          <a:xfrm>
+            <a:off x="9036498" y="0"/>
+            <a:ext cx="107503" cy="6858000"/>
+          </a:xfrm>
+          <a:prstGeom prst="rect">
+            <a:avLst/>
+          </a:prstGeom>
+          <a:gradFill>
+            <a:gsLst>
+              <a:gs pos="0">
+                <a:schemeClr val="accent6">
+                  <a:lumMod val="75000"/>
+                </a:schemeClr>
+              </a:gs>
+              <a:gs pos="50000">
+                <a:schemeClr val="accent6">
+                  <a:lumMod val="60000"/>
+                  <a:lumOff val="40000"/>
+                </a:schemeClr>
+              </a:gs>
+              <a:gs pos="100000">
+                <a:schemeClr val="accent6">
+                  <a:lumMod val="40000"/>
+                  <a:lumOff val="60000"/>
+                  <a:alpha val="69000"/>
+                </a:schemeClr>
+              </a:gs>
+            </a:gsLst>
+            <a:lin ang="5400000" scaled="0"/>
+          </a:gradFill>
+          <a:ln>
+            <a:noFill/>
+          </a:ln>
+        </p:spPr>
+        <p:style>
+          <a:lnRef idx="2">
+            <a:schemeClr val="accent1">
+              <a:shade val="50000"/>
+            </a:schemeClr>
+          </a:lnRef>
+          <a:fillRef idx="1">
+            <a:schemeClr val="accent1"/>
+          </a:fillRef>
+          <a:effectRef idx="0">
+            <a:schemeClr val="accent1"/>
+          </a:effectRef>
+          <a:fontRef idx="minor">
+            <a:schemeClr val="lt1"/>
+          </a:fontRef>
+        </p:style>
+        <p:txBody>
+          <a:bodyPr rtlCol="0" anchor="ctr"/>
+          <a:lstStyle/>
+          <a:p>
+            <a:pPr algn="ctr"/>
+            <a:endParaRPr lang="en-IN" sz="1167"/>
+          </a:p>
+        </p:txBody>
+      </p:sp>
+      <p:sp>
+        <p:nvSpPr>
+          <p:cNvPr id="6" name="Rectangle 5"/>
+          <p:cNvSpPr/>
+          <p:nvPr/>
+        </p:nvSpPr>
+        <p:spPr>
+          <a:xfrm rot="10800000" flipV="1">
+            <a:off x="107505" y="702924"/>
+            <a:ext cx="8928991" cy="61780"/>
+          </a:xfrm>
+          <a:prstGeom prst="rect">
+            <a:avLst/>
+          </a:prstGeom>
+          <a:gradFill flip="none" rotWithShape="1">
+            <a:gsLst>
+              <a:gs pos="0">
+                <a:schemeClr val="accent6">
+                  <a:lumMod val="75000"/>
+                </a:schemeClr>
+              </a:gs>
+              <a:gs pos="50000">
+                <a:schemeClr val="accent6">
+                  <a:lumMod val="60000"/>
+                  <a:lumOff val="40000"/>
+                </a:schemeClr>
+              </a:gs>
+              <a:gs pos="100000">
+                <a:schemeClr val="accent6">
+                  <a:lumMod val="40000"/>
+                  <a:lumOff val="60000"/>
+                  <a:alpha val="0"/>
+                </a:schemeClr>
+              </a:gs>
+            </a:gsLst>
+            <a:lin ang="0" scaled="1"/>
+            <a:tileRect/>
+          </a:gradFill>
+          <a:ln>
+            <a:noFill/>
+          </a:ln>
+        </p:spPr>
+        <p:style>
+          <a:lnRef idx="2">
+            <a:schemeClr val="accent1">
+              <a:shade val="50000"/>
+            </a:schemeClr>
+          </a:lnRef>
+          <a:fillRef idx="1">
+            <a:schemeClr val="accent1"/>
+          </a:fillRef>
+          <a:effectRef idx="0">
+            <a:schemeClr val="accent1"/>
+          </a:effectRef>
+          <a:fontRef idx="minor">
+            <a:schemeClr val="lt1"/>
+          </a:fontRef>
+        </p:style>
+        <p:txBody>
+          <a:bodyPr rtlCol="0" anchor="ctr"/>
+          <a:lstStyle/>
+          <a:p>
+            <a:pPr algn="ctr"/>
+            <a:endParaRPr lang="en-IN" sz="1800"/>
+          </a:p>
+        </p:txBody>
+      </p:sp>
     </p:spTree>
+    <p:extLst>
+      <p:ext uri="{BB962C8B-B14F-4D97-AF65-F5344CB8AC3E}">
+        <p14:creationId xmlns:p14="http://schemas.microsoft.com/office/powerpoint/2010/main" val="627992393"/>
+      </p:ext>
+    </p:extLst>
   </p:cSld>
   <p:clrMapOvr>
     <a:masterClrMapping/>
@@ -2564,7 +3835,7 @@
         </p:nvSpPr>
         <p:spPr>
           <a:xfrm>
-            <a:off x="457200" y="273050"/>
+            <a:off x="457201" y="273051"/>
             <a:ext cx="3008313" cy="1162050"/>
           </a:xfrm>
         </p:spPr>
@@ -2572,7 +3843,7 @@
           <a:bodyPr anchor="b"/>
           <a:lstStyle>
             <a:lvl1pPr algn="l">
-              <a:defRPr sz="2000" b="1"/>
+              <a:defRPr sz="1667" b="1"/>
             </a:lvl1pPr>
           </a:lstStyle>
           <a:p>
@@ -2580,7 +3851,7 @@
               <a:rPr lang="en-US" smtClean="0"/>
               <a:t>Click to edit Master title style</a:t>
             </a:r>
-            <a:endParaRPr lang="en-US"/>
+            <a:endParaRPr lang="en-IN"/>
           </a:p>
         </p:txBody>
       </p:sp>
@@ -2596,7 +3867,7 @@
         </p:nvSpPr>
         <p:spPr>
           <a:xfrm>
-            <a:off x="3575050" y="273050"/>
+            <a:off x="3575051" y="273052"/>
             <a:ext cx="5111750" cy="5853113"/>
           </a:xfrm>
         </p:spPr>
@@ -2604,31 +3875,31 @@
           <a:bodyPr/>
           <a:lstStyle>
             <a:lvl1pPr>
-              <a:defRPr sz="3200"/>
+              <a:defRPr sz="2667"/>
             </a:lvl1pPr>
             <a:lvl2pPr>
-              <a:defRPr sz="2800"/>
+              <a:defRPr sz="2333"/>
             </a:lvl2pPr>
             <a:lvl3pPr>
-              <a:defRPr sz="2400"/>
+              <a:defRPr sz="2000"/>
             </a:lvl3pPr>
             <a:lvl4pPr>
-              <a:defRPr sz="2000"/>
+              <a:defRPr sz="1667"/>
             </a:lvl4pPr>
             <a:lvl5pPr>
-              <a:defRPr sz="2000"/>
+              <a:defRPr sz="1667"/>
             </a:lvl5pPr>
             <a:lvl6pPr>
-              <a:defRPr sz="2000"/>
+              <a:defRPr sz="1667"/>
             </a:lvl6pPr>
             <a:lvl7pPr>
-              <a:defRPr sz="2000"/>
+              <a:defRPr sz="1667"/>
             </a:lvl7pPr>
             <a:lvl8pPr>
-              <a:defRPr sz="2000"/>
+              <a:defRPr sz="1667"/>
             </a:lvl8pPr>
             <a:lvl9pPr>
-              <a:defRPr sz="2000"/>
+              <a:defRPr sz="1667"/>
             </a:lvl9pPr>
           </a:lstStyle>
           <a:p>
@@ -2665,7 +3936,7 @@
               <a:rPr lang="en-US" smtClean="0"/>
               <a:t>Fifth level</a:t>
             </a:r>
-            <a:endParaRPr lang="en-US"/>
+            <a:endParaRPr lang="en-IN"/>
           </a:p>
         </p:txBody>
       </p:sp>
@@ -2681,7 +3952,7 @@
         </p:nvSpPr>
         <p:spPr>
           <a:xfrm>
-            <a:off x="457200" y="1435100"/>
+            <a:off x="457201" y="1435102"/>
             <a:ext cx="3008313" cy="4691063"/>
           </a:xfrm>
         </p:spPr>
@@ -2690,39 +3961,39 @@
           <a:lstStyle>
             <a:lvl1pPr marL="0" indent="0">
               <a:buNone/>
-              <a:defRPr sz="1400"/>
+              <a:defRPr sz="1167"/>
             </a:lvl1pPr>
-            <a:lvl2pPr marL="457200" indent="0">
-              <a:buNone/>
-              <a:defRPr sz="1200"/>
-            </a:lvl2pPr>
-            <a:lvl3pPr marL="914400" indent="0">
+            <a:lvl2pPr marL="380985" indent="0">
               <a:buNone/>
               <a:defRPr sz="1000"/>
+            </a:lvl2pPr>
+            <a:lvl3pPr marL="761970" indent="0">
+              <a:buNone/>
+              <a:defRPr sz="833"/>
             </a:lvl3pPr>
-            <a:lvl4pPr marL="1371600" indent="0">
+            <a:lvl4pPr marL="1142954" indent="0">
               <a:buNone/>
-              <a:defRPr sz="900"/>
+              <a:defRPr sz="750"/>
             </a:lvl4pPr>
-            <a:lvl5pPr marL="1828800" indent="0">
+            <a:lvl5pPr marL="1523939" indent="0">
               <a:buNone/>
-              <a:defRPr sz="900"/>
+              <a:defRPr sz="750"/>
             </a:lvl5pPr>
-            <a:lvl6pPr marL="2286000" indent="0">
+            <a:lvl6pPr marL="1904924" indent="0">
               <a:buNone/>
-              <a:defRPr sz="900"/>
+              <a:defRPr sz="750"/>
             </a:lvl6pPr>
-            <a:lvl7pPr marL="2743200" indent="0">
+            <a:lvl7pPr marL="2285909" indent="0">
               <a:buNone/>
-              <a:defRPr sz="900"/>
+              <a:defRPr sz="750"/>
             </a:lvl7pPr>
-            <a:lvl8pPr marL="3200400" indent="0">
+            <a:lvl8pPr marL="2666893" indent="0">
               <a:buNone/>
-              <a:defRPr sz="900"/>
+              <a:defRPr sz="750"/>
             </a:lvl8pPr>
-            <a:lvl9pPr marL="3657600" indent="0">
+            <a:lvl9pPr marL="3047878" indent="0">
               <a:buNone/>
-              <a:defRPr sz="900"/>
+              <a:defRPr sz="750"/>
             </a:lvl9pPr>
           </a:lstStyle>
           <a:p>
@@ -2752,7 +4023,7 @@
             <a:fld id="{1D8BD707-D9CF-40AE-B4C6-C98DA3205C09}" type="datetimeFigureOut">
               <a:rPr lang="en-US" smtClean="0"/>
               <a:pPr/>
-              <a:t>8/7/2015</a:t>
+              <a:t>8/7/15</a:t>
             </a:fld>
             <a:endParaRPr lang="en-US"/>
           </a:p>
@@ -2802,6 +4073,11 @@
         </p:txBody>
       </p:sp>
     </p:spTree>
+    <p:extLst>
+      <p:ext uri="{BB962C8B-B14F-4D97-AF65-F5344CB8AC3E}">
+        <p14:creationId xmlns:p14="http://schemas.microsoft.com/office/powerpoint/2010/main" val="481928577"/>
+      </p:ext>
+    </p:extLst>
   </p:cSld>
   <p:clrMapOvr>
     <a:masterClrMapping/>
@@ -2846,7 +4122,7 @@
           <a:bodyPr anchor="b"/>
           <a:lstStyle>
             <a:lvl1pPr algn="l">
-              <a:defRPr sz="2000" b="1"/>
+              <a:defRPr sz="1667" b="1"/>
             </a:lvl1pPr>
           </a:lstStyle>
           <a:p>
@@ -2854,7 +4130,7 @@
               <a:rPr lang="en-US" smtClean="0"/>
               <a:t>Click to edit Master title style</a:t>
             </a:r>
-            <a:endParaRPr lang="en-US"/>
+            <a:endParaRPr lang="en-IN"/>
           </a:p>
         </p:txBody>
       </p:sp>
@@ -2879,43 +4155,47 @@
           <a:lstStyle>
             <a:lvl1pPr marL="0" indent="0">
               <a:buNone/>
-              <a:defRPr sz="3200"/>
+              <a:defRPr sz="2667"/>
             </a:lvl1pPr>
-            <a:lvl2pPr marL="457200" indent="0">
+            <a:lvl2pPr marL="380985" indent="0">
               <a:buNone/>
-              <a:defRPr sz="2800"/>
+              <a:defRPr sz="2333"/>
             </a:lvl2pPr>
-            <a:lvl3pPr marL="914400" indent="0">
-              <a:buNone/>
-              <a:defRPr sz="2400"/>
-            </a:lvl3pPr>
-            <a:lvl4pPr marL="1371600" indent="0">
+            <a:lvl3pPr marL="761970" indent="0">
               <a:buNone/>
               <a:defRPr sz="2000"/>
+            </a:lvl3pPr>
+            <a:lvl4pPr marL="1142954" indent="0">
+              <a:buNone/>
+              <a:defRPr sz="1667"/>
             </a:lvl4pPr>
-            <a:lvl5pPr marL="1828800" indent="0">
+            <a:lvl5pPr marL="1523939" indent="0">
               <a:buNone/>
-              <a:defRPr sz="2000"/>
+              <a:defRPr sz="1667"/>
             </a:lvl5pPr>
-            <a:lvl6pPr marL="2286000" indent="0">
+            <a:lvl6pPr marL="1904924" indent="0">
               <a:buNone/>
-              <a:defRPr sz="2000"/>
+              <a:defRPr sz="1667"/>
             </a:lvl6pPr>
-            <a:lvl7pPr marL="2743200" indent="0">
+            <a:lvl7pPr marL="2285909" indent="0">
               <a:buNone/>
-              <a:defRPr sz="2000"/>
+              <a:defRPr sz="1667"/>
             </a:lvl7pPr>
-            <a:lvl8pPr marL="3200400" indent="0">
+            <a:lvl8pPr marL="2666893" indent="0">
               <a:buNone/>
-              <a:defRPr sz="2000"/>
+              <a:defRPr sz="1667"/>
             </a:lvl8pPr>
-            <a:lvl9pPr marL="3657600" indent="0">
+            <a:lvl9pPr marL="3047878" indent="0">
               <a:buNone/>
-              <a:defRPr sz="2000"/>
+              <a:defRPr sz="1667"/>
             </a:lvl9pPr>
           </a:lstStyle>
           <a:p>
-            <a:endParaRPr lang="en-US"/>
+            <a:r>
+              <a:rPr lang="en-US" smtClean="0"/>
+              <a:t>Drag picture to placeholder or click icon to add</a:t>
+            </a:r>
+            <a:endParaRPr lang="en-IN"/>
           </a:p>
         </p:txBody>
       </p:sp>
@@ -2940,39 +4220,39 @@
           <a:lstStyle>
             <a:lvl1pPr marL="0" indent="0">
               <a:buNone/>
-              <a:defRPr sz="1400"/>
+              <a:defRPr sz="1167"/>
             </a:lvl1pPr>
-            <a:lvl2pPr marL="457200" indent="0">
-              <a:buNone/>
-              <a:defRPr sz="1200"/>
-            </a:lvl2pPr>
-            <a:lvl3pPr marL="914400" indent="0">
+            <a:lvl2pPr marL="380985" indent="0">
               <a:buNone/>
               <a:defRPr sz="1000"/>
+            </a:lvl2pPr>
+            <a:lvl3pPr marL="761970" indent="0">
+              <a:buNone/>
+              <a:defRPr sz="833"/>
             </a:lvl3pPr>
-            <a:lvl4pPr marL="1371600" indent="0">
+            <a:lvl4pPr marL="1142954" indent="0">
               <a:buNone/>
-              <a:defRPr sz="900"/>
+              <a:defRPr sz="750"/>
             </a:lvl4pPr>
-            <a:lvl5pPr marL="1828800" indent="0">
+            <a:lvl5pPr marL="1523939" indent="0">
               <a:buNone/>
-              <a:defRPr sz="900"/>
+              <a:defRPr sz="750"/>
             </a:lvl5pPr>
-            <a:lvl6pPr marL="2286000" indent="0">
+            <a:lvl6pPr marL="1904924" indent="0">
               <a:buNone/>
-              <a:defRPr sz="900"/>
+              <a:defRPr sz="750"/>
             </a:lvl6pPr>
-            <a:lvl7pPr marL="2743200" indent="0">
+            <a:lvl7pPr marL="2285909" indent="0">
               <a:buNone/>
-              <a:defRPr sz="900"/>
+              <a:defRPr sz="750"/>
             </a:lvl7pPr>
-            <a:lvl8pPr marL="3200400" indent="0">
+            <a:lvl8pPr marL="2666893" indent="0">
               <a:buNone/>
-              <a:defRPr sz="900"/>
+              <a:defRPr sz="750"/>
             </a:lvl8pPr>
-            <a:lvl9pPr marL="3657600" indent="0">
+            <a:lvl9pPr marL="3047878" indent="0">
               <a:buNone/>
-              <a:defRPr sz="900"/>
+              <a:defRPr sz="750"/>
             </a:lvl9pPr>
           </a:lstStyle>
           <a:p>
@@ -3002,7 +4282,7 @@
             <a:fld id="{1D8BD707-D9CF-40AE-B4C6-C98DA3205C09}" type="datetimeFigureOut">
               <a:rPr lang="en-US" smtClean="0"/>
               <a:pPr/>
-              <a:t>8/7/2015</a:t>
+              <a:t>8/7/15</a:t>
             </a:fld>
             <a:endParaRPr lang="en-US"/>
           </a:p>
@@ -3052,6 +4332,11 @@
         </p:txBody>
       </p:sp>
     </p:spTree>
+    <p:extLst>
+      <p:ext uri="{BB962C8B-B14F-4D97-AF65-F5344CB8AC3E}">
+        <p14:creationId xmlns:p14="http://schemas.microsoft.com/office/powerpoint/2010/main" val="528433890"/>
+      </p:ext>
+    </p:extLst>
   </p:cSld>
   <p:clrMapOvr>
     <a:masterClrMapping/>
@@ -3093,8 +4378,8 @@
         </p:nvSpPr>
         <p:spPr>
           <a:xfrm>
-            <a:off x="457200" y="274638"/>
-            <a:ext cx="8229600" cy="1143000"/>
+            <a:off x="107505" y="116633"/>
+            <a:ext cx="8928992" cy="576064"/>
           </a:xfrm>
           <a:prstGeom prst="rect">
             <a:avLst/>
@@ -3110,7 +4395,7 @@
               <a:rPr lang="en-US" smtClean="0"/>
               <a:t>Click to edit Master title style</a:t>
             </a:r>
-            <a:endParaRPr lang="en-US"/>
+            <a:endParaRPr lang="en-IN" dirty="0"/>
           </a:p>
         </p:txBody>
       </p:sp>
@@ -3126,8 +4411,8 @@
         </p:nvSpPr>
         <p:spPr>
           <a:xfrm>
-            <a:off x="457200" y="1600200"/>
-            <a:ext cx="8229600" cy="4525963"/>
+            <a:off x="107505" y="764704"/>
+            <a:ext cx="8928992" cy="5544616"/>
           </a:xfrm>
           <a:prstGeom prst="rect">
             <a:avLst/>
@@ -3172,7 +4457,7 @@
               <a:rPr lang="en-US" smtClean="0"/>
               <a:t>Fifth level</a:t>
             </a:r>
-            <a:endParaRPr lang="en-US"/>
+            <a:endParaRPr lang="en-IN" dirty="0"/>
           </a:p>
         </p:txBody>
       </p:sp>
@@ -3188,7 +4473,7 @@
         </p:nvSpPr>
         <p:spPr>
           <a:xfrm>
-            <a:off x="457200" y="6356350"/>
+            <a:off x="29388" y="6469087"/>
             <a:ext cx="2133600" cy="365125"/>
           </a:xfrm>
           <a:prstGeom prst="rect">
@@ -3199,7 +4484,7 @@
           <a:bodyPr vert="horz" lIns="91440" tIns="45720" rIns="91440" bIns="45720" rtlCol="0" anchor="ctr"/>
           <a:lstStyle>
             <a:lvl1pPr algn="l">
-              <a:defRPr sz="1200">
+              <a:defRPr sz="1000">
                 <a:solidFill>
                   <a:schemeClr val="tx1">
                     <a:tint val="75000"/>
@@ -3212,7 +4497,7 @@
             <a:fld id="{1D8BD707-D9CF-40AE-B4C6-C98DA3205C09}" type="datetimeFigureOut">
               <a:rPr lang="en-US" smtClean="0"/>
               <a:pPr/>
-              <a:t>8/7/2015</a:t>
+              <a:t>8/7/15</a:t>
             </a:fld>
             <a:endParaRPr lang="en-US"/>
           </a:p>
@@ -3230,7 +4515,7 @@
         </p:nvSpPr>
         <p:spPr>
           <a:xfrm>
-            <a:off x="3124200" y="6356350"/>
+            <a:off x="3147325" y="6469087"/>
             <a:ext cx="2895600" cy="365125"/>
           </a:xfrm>
           <a:prstGeom prst="rect">
@@ -3241,7 +4526,7 @@
           <a:bodyPr vert="horz" lIns="91440" tIns="45720" rIns="91440" bIns="45720" rtlCol="0" anchor="ctr"/>
           <a:lstStyle>
             <a:lvl1pPr algn="ctr">
-              <a:defRPr sz="1200">
+              <a:defRPr sz="1000">
                 <a:solidFill>
                   <a:schemeClr val="tx1">
                     <a:tint val="75000"/>
@@ -3267,7 +4552,7 @@
         </p:nvSpPr>
         <p:spPr>
           <a:xfrm>
-            <a:off x="6553200" y="6356350"/>
+            <a:off x="6873577" y="6474087"/>
             <a:ext cx="2133600" cy="365125"/>
           </a:xfrm>
           <a:prstGeom prst="rect">
@@ -3278,7 +4563,7 @@
           <a:bodyPr vert="horz" lIns="91440" tIns="45720" rIns="91440" bIns="45720" rtlCol="0" anchor="ctr"/>
           <a:lstStyle>
             <a:lvl1pPr algn="r">
-              <a:defRPr sz="1200">
+              <a:defRPr sz="1000">
                 <a:solidFill>
                   <a:schemeClr val="tx1">
                     <a:tint val="75000"/>
@@ -3298,29 +4583,35 @@
         </p:txBody>
       </p:sp>
     </p:spTree>
+    <p:extLst>
+      <p:ext uri="{BB962C8B-B14F-4D97-AF65-F5344CB8AC3E}">
+        <p14:creationId xmlns:p14="http://schemas.microsoft.com/office/powerpoint/2010/main" val="146533149"/>
+      </p:ext>
+    </p:extLst>
   </p:cSld>
   <p:clrMap bg1="lt1" tx1="dk1" bg2="lt2" tx2="dk2" accent1="accent1" accent2="accent2" accent3="accent3" accent4="accent4" accent5="accent5" accent6="accent6" hlink="hlink" folHlink="folHlink"/>
   <p:sldLayoutIdLst>
-    <p:sldLayoutId id="2147483649" r:id="rId1"/>
-    <p:sldLayoutId id="2147483650" r:id="rId2"/>
-    <p:sldLayoutId id="2147483651" r:id="rId3"/>
-    <p:sldLayoutId id="2147483652" r:id="rId4"/>
-    <p:sldLayoutId id="2147483653" r:id="rId5"/>
-    <p:sldLayoutId id="2147483654" r:id="rId6"/>
-    <p:sldLayoutId id="2147483655" r:id="rId7"/>
-    <p:sldLayoutId id="2147483656" r:id="rId8"/>
-    <p:sldLayoutId id="2147483657" r:id="rId9"/>
-    <p:sldLayoutId id="2147483658" r:id="rId10"/>
-    <p:sldLayoutId id="2147483659" r:id="rId11"/>
+    <p:sldLayoutId id="2147483661" r:id="rId1"/>
+    <p:sldLayoutId id="2147483662" r:id="rId2"/>
+    <p:sldLayoutId id="2147483663" r:id="rId3"/>
+    <p:sldLayoutId id="2147483664" r:id="rId4"/>
+    <p:sldLayoutId id="2147483665" r:id="rId5"/>
+    <p:sldLayoutId id="2147483666" r:id="rId6"/>
+    <p:sldLayoutId id="2147483667" r:id="rId7"/>
+    <p:sldLayoutId id="2147483668" r:id="rId8"/>
+    <p:sldLayoutId id="2147483669" r:id="rId9"/>
+    <p:sldLayoutId id="2147483670" r:id="rId10"/>
+    <p:sldLayoutId id="2147483671" r:id="rId11"/>
+    <p:sldLayoutId id="2147483672" r:id="rId12"/>
   </p:sldLayoutIdLst>
   <p:txStyles>
     <p:titleStyle>
-      <a:lvl1pPr algn="ctr" defTabSz="914400" rtl="0" eaLnBrk="1" latinLnBrk="0" hangingPunct="1">
+      <a:lvl1pPr algn="l" defTabSz="761970" rtl="0" eaLnBrk="1" latinLnBrk="0" hangingPunct="1">
         <a:spcBef>
           <a:spcPct val="0"/>
         </a:spcBef>
         <a:buNone/>
-        <a:defRPr sz="4400" kern="1200">
+        <a:defRPr sz="2667" kern="1200">
           <a:solidFill>
             <a:schemeClr val="tx1"/>
           </a:solidFill>
@@ -3331,13 +4622,13 @@
       </a:lvl1pPr>
     </p:titleStyle>
     <p:bodyStyle>
-      <a:lvl1pPr marL="342900" indent="-342900" algn="l" defTabSz="914400" rtl="0" eaLnBrk="1" latinLnBrk="0" hangingPunct="1">
+      <a:lvl1pPr marL="285739" indent="-285739" algn="l" defTabSz="761970" rtl="0" eaLnBrk="1" latinLnBrk="0" hangingPunct="1">
         <a:spcBef>
           <a:spcPct val="20000"/>
         </a:spcBef>
-        <a:buFont typeface="Arial" pitchFamily="34" charset="0"/>
+        <a:buFont typeface="Arial" panose="020B0604020202020204" pitchFamily="34" charset="0"/>
         <a:buChar char="•"/>
-        <a:defRPr sz="3200" kern="1200">
+        <a:defRPr sz="1833" kern="1200">
           <a:solidFill>
             <a:schemeClr val="tx1"/>
           </a:solidFill>
@@ -3346,13 +4637,13 @@
           <a:cs typeface="+mn-cs"/>
         </a:defRPr>
       </a:lvl1pPr>
-      <a:lvl2pPr marL="742950" indent="-285750" algn="l" defTabSz="914400" rtl="0" eaLnBrk="1" latinLnBrk="0" hangingPunct="1">
+      <a:lvl2pPr marL="619100" indent="-238115" algn="l" defTabSz="761970" rtl="0" eaLnBrk="1" latinLnBrk="0" hangingPunct="1">
         <a:spcBef>
           <a:spcPct val="20000"/>
         </a:spcBef>
-        <a:buFont typeface="Arial" pitchFamily="34" charset="0"/>
+        <a:buFont typeface="Arial" panose="020B0604020202020204" pitchFamily="34" charset="0"/>
         <a:buChar char="–"/>
-        <a:defRPr sz="2800" kern="1200">
+        <a:defRPr sz="1667" kern="1200">
           <a:solidFill>
             <a:schemeClr val="tx1"/>
           </a:solidFill>
@@ -3361,13 +4652,13 @@
           <a:cs typeface="+mn-cs"/>
         </a:defRPr>
       </a:lvl2pPr>
-      <a:lvl3pPr marL="1143000" indent="-228600" algn="l" defTabSz="914400" rtl="0" eaLnBrk="1" latinLnBrk="0" hangingPunct="1">
+      <a:lvl3pPr marL="952462" indent="-190492" algn="l" defTabSz="761970" rtl="0" eaLnBrk="1" latinLnBrk="0" hangingPunct="1">
         <a:spcBef>
           <a:spcPct val="20000"/>
         </a:spcBef>
-        <a:buFont typeface="Arial" pitchFamily="34" charset="0"/>
+        <a:buFont typeface="Arial" panose="020B0604020202020204" pitchFamily="34" charset="0"/>
         <a:buChar char="•"/>
-        <a:defRPr sz="2400" kern="1200">
+        <a:defRPr sz="1500" kern="1200">
           <a:solidFill>
             <a:schemeClr val="tx1"/>
           </a:solidFill>
@@ -3376,13 +4667,13 @@
           <a:cs typeface="+mn-cs"/>
         </a:defRPr>
       </a:lvl3pPr>
-      <a:lvl4pPr marL="1600200" indent="-228600" algn="l" defTabSz="914400" rtl="0" eaLnBrk="1" latinLnBrk="0" hangingPunct="1">
+      <a:lvl4pPr marL="1333447" indent="-190492" algn="l" defTabSz="761970" rtl="0" eaLnBrk="1" latinLnBrk="0" hangingPunct="1">
         <a:spcBef>
           <a:spcPct val="20000"/>
         </a:spcBef>
-        <a:buFont typeface="Arial" pitchFamily="34" charset="0"/>
+        <a:buFont typeface="Arial" panose="020B0604020202020204" pitchFamily="34" charset="0"/>
         <a:buChar char="–"/>
-        <a:defRPr sz="2000" kern="1200">
+        <a:defRPr sz="1333" kern="1200">
           <a:solidFill>
             <a:schemeClr val="tx1"/>
           </a:solidFill>
@@ -3391,13 +4682,13 @@
           <a:cs typeface="+mn-cs"/>
         </a:defRPr>
       </a:lvl4pPr>
-      <a:lvl5pPr marL="2057400" indent="-228600" algn="l" defTabSz="914400" rtl="0" eaLnBrk="1" latinLnBrk="0" hangingPunct="1">
+      <a:lvl5pPr marL="1714431" indent="-190492" algn="l" defTabSz="761970" rtl="0" eaLnBrk="1" latinLnBrk="0" hangingPunct="1">
         <a:spcBef>
           <a:spcPct val="20000"/>
         </a:spcBef>
-        <a:buFont typeface="Arial" pitchFamily="34" charset="0"/>
+        <a:buFont typeface="Arial" panose="020B0604020202020204" pitchFamily="34" charset="0"/>
         <a:buChar char="»"/>
-        <a:defRPr sz="2000" kern="1200">
+        <a:defRPr sz="1167" kern="1200">
           <a:solidFill>
             <a:schemeClr val="tx1"/>
           </a:solidFill>
@@ -3406,13 +4697,13 @@
           <a:cs typeface="+mn-cs"/>
         </a:defRPr>
       </a:lvl5pPr>
-      <a:lvl6pPr marL="2514600" indent="-228600" algn="l" defTabSz="914400" rtl="0" eaLnBrk="1" latinLnBrk="0" hangingPunct="1">
+      <a:lvl6pPr marL="2095416" indent="-190492" algn="l" defTabSz="761970" rtl="0" eaLnBrk="1" latinLnBrk="0" hangingPunct="1">
         <a:spcBef>
           <a:spcPct val="20000"/>
         </a:spcBef>
-        <a:buFont typeface="Arial" pitchFamily="34" charset="0"/>
+        <a:buFont typeface="Arial" panose="020B0604020202020204" pitchFamily="34" charset="0"/>
         <a:buChar char="•"/>
-        <a:defRPr sz="2000" kern="1200">
+        <a:defRPr sz="1667" kern="1200">
           <a:solidFill>
             <a:schemeClr val="tx1"/>
           </a:solidFill>
@@ -3421,13 +4712,13 @@
           <a:cs typeface="+mn-cs"/>
         </a:defRPr>
       </a:lvl6pPr>
-      <a:lvl7pPr marL="2971800" indent="-228600" algn="l" defTabSz="914400" rtl="0" eaLnBrk="1" latinLnBrk="0" hangingPunct="1">
+      <a:lvl7pPr marL="2476401" indent="-190492" algn="l" defTabSz="761970" rtl="0" eaLnBrk="1" latinLnBrk="0" hangingPunct="1">
         <a:spcBef>
           <a:spcPct val="20000"/>
         </a:spcBef>
-        <a:buFont typeface="Arial" pitchFamily="34" charset="0"/>
+        <a:buFont typeface="Arial" panose="020B0604020202020204" pitchFamily="34" charset="0"/>
         <a:buChar char="•"/>
-        <a:defRPr sz="2000" kern="1200">
+        <a:defRPr sz="1667" kern="1200">
           <a:solidFill>
             <a:schemeClr val="tx1"/>
           </a:solidFill>
@@ -3436,13 +4727,13 @@
           <a:cs typeface="+mn-cs"/>
         </a:defRPr>
       </a:lvl7pPr>
-      <a:lvl8pPr marL="3429000" indent="-228600" algn="l" defTabSz="914400" rtl="0" eaLnBrk="1" latinLnBrk="0" hangingPunct="1">
+      <a:lvl8pPr marL="2857386" indent="-190492" algn="l" defTabSz="761970" rtl="0" eaLnBrk="1" latinLnBrk="0" hangingPunct="1">
         <a:spcBef>
           <a:spcPct val="20000"/>
         </a:spcBef>
-        <a:buFont typeface="Arial" pitchFamily="34" charset="0"/>
+        <a:buFont typeface="Arial" panose="020B0604020202020204" pitchFamily="34" charset="0"/>
         <a:buChar char="•"/>
-        <a:defRPr sz="2000" kern="1200">
+        <a:defRPr sz="1667" kern="1200">
           <a:solidFill>
             <a:schemeClr val="tx1"/>
           </a:solidFill>
@@ -3451,13 +4742,13 @@
           <a:cs typeface="+mn-cs"/>
         </a:defRPr>
       </a:lvl8pPr>
-      <a:lvl9pPr marL="3886200" indent="-228600" algn="l" defTabSz="914400" rtl="0" eaLnBrk="1" latinLnBrk="0" hangingPunct="1">
+      <a:lvl9pPr marL="3238370" indent="-190492" algn="l" defTabSz="761970" rtl="0" eaLnBrk="1" latinLnBrk="0" hangingPunct="1">
         <a:spcBef>
           <a:spcPct val="20000"/>
         </a:spcBef>
-        <a:buFont typeface="Arial" pitchFamily="34" charset="0"/>
+        <a:buFont typeface="Arial" panose="020B0604020202020204" pitchFamily="34" charset="0"/>
         <a:buChar char="•"/>
-        <a:defRPr sz="2000" kern="1200">
+        <a:defRPr sz="1667" kern="1200">
           <a:solidFill>
             <a:schemeClr val="tx1"/>
           </a:solidFill>
@@ -3471,8 +4762,8 @@
       <a:defPPr>
         <a:defRPr lang="en-US"/>
       </a:defPPr>
-      <a:lvl1pPr marL="0" algn="l" defTabSz="914400" rtl="0" eaLnBrk="1" latinLnBrk="0" hangingPunct="1">
-        <a:defRPr sz="1800" kern="1200">
+      <a:lvl1pPr marL="0" algn="l" defTabSz="761970" rtl="0" eaLnBrk="1" latinLnBrk="0" hangingPunct="1">
+        <a:defRPr sz="1500" kern="1200">
           <a:solidFill>
             <a:schemeClr val="tx1"/>
           </a:solidFill>
@@ -3481,8 +4772,8 @@
           <a:cs typeface="+mn-cs"/>
         </a:defRPr>
       </a:lvl1pPr>
-      <a:lvl2pPr marL="457200" algn="l" defTabSz="914400" rtl="0" eaLnBrk="1" latinLnBrk="0" hangingPunct="1">
-        <a:defRPr sz="1800" kern="1200">
+      <a:lvl2pPr marL="380985" algn="l" defTabSz="761970" rtl="0" eaLnBrk="1" latinLnBrk="0" hangingPunct="1">
+        <a:defRPr sz="1500" kern="1200">
           <a:solidFill>
             <a:schemeClr val="tx1"/>
           </a:solidFill>
@@ -3491,8 +4782,8 @@
           <a:cs typeface="+mn-cs"/>
         </a:defRPr>
       </a:lvl2pPr>
-      <a:lvl3pPr marL="914400" algn="l" defTabSz="914400" rtl="0" eaLnBrk="1" latinLnBrk="0" hangingPunct="1">
-        <a:defRPr sz="1800" kern="1200">
+      <a:lvl3pPr marL="761970" algn="l" defTabSz="761970" rtl="0" eaLnBrk="1" latinLnBrk="0" hangingPunct="1">
+        <a:defRPr sz="1500" kern="1200">
           <a:solidFill>
             <a:schemeClr val="tx1"/>
           </a:solidFill>
@@ -3501,8 +4792,8 @@
           <a:cs typeface="+mn-cs"/>
         </a:defRPr>
       </a:lvl3pPr>
-      <a:lvl4pPr marL="1371600" algn="l" defTabSz="914400" rtl="0" eaLnBrk="1" latinLnBrk="0" hangingPunct="1">
-        <a:defRPr sz="1800" kern="1200">
+      <a:lvl4pPr marL="1142954" algn="l" defTabSz="761970" rtl="0" eaLnBrk="1" latinLnBrk="0" hangingPunct="1">
+        <a:defRPr sz="1500" kern="1200">
           <a:solidFill>
             <a:schemeClr val="tx1"/>
           </a:solidFill>
@@ -3511,8 +4802,8 @@
           <a:cs typeface="+mn-cs"/>
         </a:defRPr>
       </a:lvl4pPr>
-      <a:lvl5pPr marL="1828800" algn="l" defTabSz="914400" rtl="0" eaLnBrk="1" latinLnBrk="0" hangingPunct="1">
-        <a:defRPr sz="1800" kern="1200">
+      <a:lvl5pPr marL="1523939" algn="l" defTabSz="761970" rtl="0" eaLnBrk="1" latinLnBrk="0" hangingPunct="1">
+        <a:defRPr sz="1500" kern="1200">
           <a:solidFill>
             <a:schemeClr val="tx1"/>
           </a:solidFill>
@@ -3521,8 +4812,8 @@
           <a:cs typeface="+mn-cs"/>
         </a:defRPr>
       </a:lvl5pPr>
-      <a:lvl6pPr marL="2286000" algn="l" defTabSz="914400" rtl="0" eaLnBrk="1" latinLnBrk="0" hangingPunct="1">
-        <a:defRPr sz="1800" kern="1200">
+      <a:lvl6pPr marL="1904924" algn="l" defTabSz="761970" rtl="0" eaLnBrk="1" latinLnBrk="0" hangingPunct="1">
+        <a:defRPr sz="1500" kern="1200">
           <a:solidFill>
             <a:schemeClr val="tx1"/>
           </a:solidFill>
@@ -3531,8 +4822,8 @@
           <a:cs typeface="+mn-cs"/>
         </a:defRPr>
       </a:lvl6pPr>
-      <a:lvl7pPr marL="2743200" algn="l" defTabSz="914400" rtl="0" eaLnBrk="1" latinLnBrk="0" hangingPunct="1">
-        <a:defRPr sz="1800" kern="1200">
+      <a:lvl7pPr marL="2285909" algn="l" defTabSz="761970" rtl="0" eaLnBrk="1" latinLnBrk="0" hangingPunct="1">
+        <a:defRPr sz="1500" kern="1200">
           <a:solidFill>
             <a:schemeClr val="tx1"/>
           </a:solidFill>
@@ -3541,8 +4832,8 @@
           <a:cs typeface="+mn-cs"/>
         </a:defRPr>
       </a:lvl7pPr>
-      <a:lvl8pPr marL="3200400" algn="l" defTabSz="914400" rtl="0" eaLnBrk="1" latinLnBrk="0" hangingPunct="1">
-        <a:defRPr sz="1800" kern="1200">
+      <a:lvl8pPr marL="2666893" algn="l" defTabSz="761970" rtl="0" eaLnBrk="1" latinLnBrk="0" hangingPunct="1">
+        <a:defRPr sz="1500" kern="1200">
           <a:solidFill>
             <a:schemeClr val="tx1"/>
           </a:solidFill>
@@ -3551,8 +4842,8 @@
           <a:cs typeface="+mn-cs"/>
         </a:defRPr>
       </a:lvl8pPr>
-      <a:lvl9pPr marL="3657600" algn="l" defTabSz="914400" rtl="0" eaLnBrk="1" latinLnBrk="0" hangingPunct="1">
-        <a:defRPr sz="1800" kern="1200">
+      <a:lvl9pPr marL="3047878" algn="l" defTabSz="761970" rtl="0" eaLnBrk="1" latinLnBrk="0" hangingPunct="1">
+        <a:defRPr sz="1500" kern="1200">
           <a:solidFill>
             <a:schemeClr val="tx1"/>
           </a:solidFill>
@@ -4496,14 +5787,12 @@
       <p:cxnSp>
         <p:nvCxnSpPr>
           <p:cNvPr id="51" name="Elbow Connector 50"/>
-          <p:cNvCxnSpPr>
-            <a:stCxn id="6" idx="3"/>
-          </p:cNvCxnSpPr>
+          <p:cNvCxnSpPr/>
           <p:nvPr/>
         </p:nvCxnSpPr>
         <p:spPr>
           <a:xfrm>
-            <a:off x="8686800" y="3599766"/>
+            <a:off x="8352503" y="3599766"/>
             <a:ext cx="273073" cy="2728537"/>
           </a:xfrm>
           <a:prstGeom prst="bentConnector2">
@@ -4531,14 +5820,12 @@
       <p:cxnSp>
         <p:nvCxnSpPr>
           <p:cNvPr id="61" name="Elbow Connector 60"/>
-          <p:cNvCxnSpPr>
-            <a:stCxn id="8" idx="3"/>
-          </p:cNvCxnSpPr>
+          <p:cNvCxnSpPr/>
           <p:nvPr/>
         </p:nvCxnSpPr>
         <p:spPr>
           <a:xfrm>
-            <a:off x="7467600" y="5232678"/>
+            <a:off x="7133303" y="5232678"/>
             <a:ext cx="381000" cy="558522"/>
           </a:xfrm>
           <a:prstGeom prst="bentConnector2">
@@ -4604,7 +5891,7 @@
         </p:nvSpPr>
         <p:spPr>
           <a:xfrm>
-            <a:off x="6811297" y="5779532"/>
+            <a:off x="6477000" y="5779532"/>
             <a:ext cx="1219200" cy="381000"/>
           </a:xfrm>
           <a:prstGeom prst="rect">
@@ -4648,7 +5935,7 @@
         </p:nvSpPr>
         <p:spPr>
           <a:xfrm>
-            <a:off x="7848600" y="6328303"/>
+            <a:off x="7514303" y="6328303"/>
             <a:ext cx="1219200" cy="381000"/>
           </a:xfrm>
           <a:prstGeom prst="rect">
@@ -4691,7 +5978,7 @@
         </p:nvSpPr>
         <p:spPr>
           <a:xfrm>
-            <a:off x="8030497" y="1143000"/>
+            <a:off x="7804002" y="1142999"/>
             <a:ext cx="1113503" cy="914400"/>
           </a:xfrm>
           <a:prstGeom prst="rect">
@@ -5345,8 +6632,8 @@
         </p:nvSpPr>
         <p:spPr>
           <a:xfrm>
-            <a:off x="-228600" y="-342900"/>
-            <a:ext cx="2878393" cy="1143000"/>
+            <a:off x="152400" y="0"/>
+            <a:ext cx="2622985" cy="571500"/>
           </a:xfrm>
         </p:spPr>
         <p:txBody>
@@ -5354,8 +6641,8 @@
           <a:lstStyle/>
           <a:p>
             <a:r>
-              <a:rPr lang="en-US" dirty="0" smtClean="0"/>
-              <a:t>service</a:t>
+              <a:rPr lang="en-US" smtClean="0"/>
+              <a:t>Service</a:t>
             </a:r>
             <a:endParaRPr lang="en-US" dirty="0"/>
           </a:p>
@@ -6960,7 +8247,7 @@
         </p:nvSpPr>
         <p:spPr>
           <a:xfrm>
-            <a:off x="5463540" y="-46653"/>
+            <a:off x="5474970" y="45249"/>
             <a:ext cx="1584960" cy="457200"/>
           </a:xfrm>
           <a:prstGeom prst="rect">
@@ -7007,8 +8294,8 @@
         </p:nvCxnSpPr>
         <p:spPr>
           <a:xfrm rot="16200000" flipV="1">
-            <a:off x="7199881" y="30567"/>
-            <a:ext cx="508769" cy="811530"/>
+            <a:off x="7251547" y="82233"/>
+            <a:ext cx="416867" cy="800100"/>
           </a:xfrm>
           <a:prstGeom prst="bentConnector2">
             <a:avLst/>
@@ -7083,8 +8370,8 @@
         </p:nvCxnSpPr>
         <p:spPr>
           <a:xfrm rot="10800000" flipV="1">
-            <a:off x="4549140" y="181947"/>
-            <a:ext cx="914400" cy="94566"/>
+            <a:off x="4549140" y="273849"/>
+            <a:ext cx="925830" cy="2664"/>
           </a:xfrm>
           <a:prstGeom prst="bentConnector3">
             <a:avLst/>
@@ -7111,15 +8398,17 @@
       <p:cxnSp>
         <p:nvCxnSpPr>
           <p:cNvPr id="22" name="Elbow Connector 21"/>
-          <p:cNvCxnSpPr/>
+          <p:cNvCxnSpPr>
+            <a:endCxn id="23" idx="1"/>
+          </p:cNvCxnSpPr>
           <p:nvPr/>
         </p:nvCxnSpPr>
         <p:spPr>
-          <a:xfrm>
-            <a:off x="7299960" y="5029199"/>
-            <a:ext cx="929640" cy="849869"/>
-          </a:xfrm>
-          <a:prstGeom prst="bentConnector3">
+          <a:xfrm rot="16200000" flipH="1">
+            <a:off x="7075911" y="5253248"/>
+            <a:ext cx="1096835" cy="648736"/>
+          </a:xfrm>
+          <a:prstGeom prst="bentConnector2">
             <a:avLst/>
           </a:prstGeom>
           <a:ln>
@@ -7149,7 +8438,7 @@
         </p:nvSpPr>
         <p:spPr>
           <a:xfrm>
-            <a:off x="8196943" y="5676523"/>
+            <a:off x="7948696" y="5802868"/>
             <a:ext cx="1104470" cy="646331"/>
           </a:xfrm>
           <a:prstGeom prst="rect">
@@ -7427,7 +8716,7 @@
         </p:spPr>
         <p:txBody>
           <a:bodyPr>
-            <a:normAutofit fontScale="90000"/>
+            <a:normAutofit/>
           </a:bodyPr>
           <a:lstStyle/>
           <a:p>
@@ -8456,7 +9745,7 @@
 </file>
 
 <file path=ppt/theme/theme1.xml><?xml version="1.0" encoding="utf-8"?>
-<a:theme xmlns:a="http://schemas.openxmlformats.org/drawingml/2006/main" name="Office Theme">
+<a:theme xmlns:a="http://schemas.openxmlformats.org/drawingml/2006/main" name="SimpleOrangeLinePPT">
   <a:themeElements>
     <a:clrScheme name="Office">
       <a:dk1>
@@ -8530,6 +9819,7 @@
         <a:font script="Mong" typeface="Mongolian Baiti"/>
         <a:font script="Viet" typeface="Times New Roman"/>
         <a:font script="Uigh" typeface="Microsoft Uighur"/>
+        <a:font script="Geor" typeface="Sylfaen"/>
       </a:majorFont>
       <a:minorFont>
         <a:latin typeface="Calibri"/>
@@ -8564,6 +9854,7 @@
         <a:font script="Mong" typeface="Mongolian Baiti"/>
         <a:font script="Viet" typeface="Arial"/>
         <a:font script="Uigh" typeface="Microsoft Uighur"/>
+        <a:font script="Geor" typeface="Sylfaen"/>
       </a:minorFont>
     </a:fontScheme>
     <a:fmtScheme name="Office">
@@ -8735,6 +10026,11 @@
   </a:themeElements>
   <a:objectDefaults/>
   <a:extraClrSchemeLst/>
+  <a:extLst>
+    <a:ext uri="{05A4C25C-085E-4340-85A3-A5531E510DB2}">
+      <thm15:themeFamily xmlns:thm15="http://schemas.microsoft.com/office/thememl/2012/main" name="SimpleOrangeLinePPT" id="{B850F300-3A6F-5E44-B2B2-B19B4711B10F}" vid="{8B58572D-2C56-6F41-98C0-684C2D82D463}"/>
+    </a:ext>
+  </a:extLst>
 </a:theme>
 </file>
 
